--- a/Transformers.pptx
+++ b/Transformers.pptx
@@ -9,7 +9,8 @@
     <p:sldId id="257" r:id="rId3"/>
     <p:sldId id="259" r:id="rId4"/>
     <p:sldId id="260" r:id="rId5"/>
-    <p:sldId id="258" r:id="rId6"/>
+    <p:sldId id="261" r:id="rId6"/>
+    <p:sldId id="258" r:id="rId7"/>
   </p:sldIdLst>
   <p:sldSz cx="12192000" cy="6858000"/>
   <p:notesSz cx="6858000" cy="9144000"/>
@@ -108,7 +109,39 @@
       </a:defRPr>
     </a:lvl9pPr>
   </p:defaultTextStyle>
+  <p:extLst>
+    <p:ext uri="{EFAFB233-063F-42B5-8137-9DF3F51BA10A}">
+      <p15:sldGuideLst xmlns:p15="http://schemas.microsoft.com/office/powerpoint/2012/main"/>
+    </p:ext>
+  </p:extLst>
 </p:presentation>
+</file>
+
+<file path=ppt/ink/ink1.xml><?xml version="1.0" encoding="utf-8"?>
+<inkml:ink xmlns:inkml="http://www.w3.org/2003/InkML">
+  <inkml:definitions>
+    <inkml:context xml:id="ctx0">
+      <inkml:inkSource xml:id="inkSrc0">
+        <inkml:traceFormat>
+          <inkml:channel name="X" type="integer" min="-2.14748E9" max="2.14748E9" units="cm"/>
+          <inkml:channel name="Y" type="integer" min="-2.14748E9" max="2.14748E9" units="cm"/>
+          <inkml:channel name="F" type="integer" max="32767" units="dev"/>
+        </inkml:traceFormat>
+        <inkml:channelProperties>
+          <inkml:channelProperty channel="X" name="resolution" value="1000" units="1/cm"/>
+          <inkml:channelProperty channel="Y" name="resolution" value="1000" units="1/cm"/>
+          <inkml:channelProperty channel="F" name="resolution" value="0" units="1/dev"/>
+        </inkml:channelProperties>
+      </inkml:inkSource>
+      <inkml:timestamp xml:id="ts0" timeString="2023-08-31T16:18:52.084"/>
+    </inkml:context>
+    <inkml:brush xml:id="br0">
+      <inkml:brushProperty name="width" value="0.05" units="cm"/>
+      <inkml:brushProperty name="height" value="0.05" units="cm"/>
+    </inkml:brush>
+  </inkml:definitions>
+  <inkml:trace contextRef="#ctx0" brushRef="#br0">0 1 24575,'0'3'0,"0"3"0,0 3 0,0 3 0,0-3 0,0-6 0,0-6 0</inkml:trace>
+</inkml:ink>
 </file>
 
 <file path=ppt/slideLayouts/slideLayout1.xml><?xml version="1.0" encoding="utf-8"?>
@@ -260,7 +293,7 @@
           <a:p>
             <a:fld id="{903AC9F1-D9A0-4F10-88DF-62EC669EC6A0}" type="datetimeFigureOut">
               <a:rPr lang="en-IN" smtClean="0"/>
-              <a:t>28-08-2023</a:t>
+              <a:t>31-08-2023</a:t>
             </a:fld>
             <a:endParaRPr lang="en-IN"/>
           </a:p>
@@ -460,7 +493,7 @@
           <a:p>
             <a:fld id="{903AC9F1-D9A0-4F10-88DF-62EC669EC6A0}" type="datetimeFigureOut">
               <a:rPr lang="en-IN" smtClean="0"/>
-              <a:t>28-08-2023</a:t>
+              <a:t>31-08-2023</a:t>
             </a:fld>
             <a:endParaRPr lang="en-IN"/>
           </a:p>
@@ -670,7 +703,7 @@
           <a:p>
             <a:fld id="{903AC9F1-D9A0-4F10-88DF-62EC669EC6A0}" type="datetimeFigureOut">
               <a:rPr lang="en-IN" smtClean="0"/>
-              <a:t>28-08-2023</a:t>
+              <a:t>31-08-2023</a:t>
             </a:fld>
             <a:endParaRPr lang="en-IN"/>
           </a:p>
@@ -870,7 +903,7 @@
           <a:p>
             <a:fld id="{903AC9F1-D9A0-4F10-88DF-62EC669EC6A0}" type="datetimeFigureOut">
               <a:rPr lang="en-IN" smtClean="0"/>
-              <a:t>28-08-2023</a:t>
+              <a:t>31-08-2023</a:t>
             </a:fld>
             <a:endParaRPr lang="en-IN"/>
           </a:p>
@@ -1146,7 +1179,7 @@
           <a:p>
             <a:fld id="{903AC9F1-D9A0-4F10-88DF-62EC669EC6A0}" type="datetimeFigureOut">
               <a:rPr lang="en-IN" smtClean="0"/>
-              <a:t>28-08-2023</a:t>
+              <a:t>31-08-2023</a:t>
             </a:fld>
             <a:endParaRPr lang="en-IN"/>
           </a:p>
@@ -1414,7 +1447,7 @@
           <a:p>
             <a:fld id="{903AC9F1-D9A0-4F10-88DF-62EC669EC6A0}" type="datetimeFigureOut">
               <a:rPr lang="en-IN" smtClean="0"/>
-              <a:t>28-08-2023</a:t>
+              <a:t>31-08-2023</a:t>
             </a:fld>
             <a:endParaRPr lang="en-IN"/>
           </a:p>
@@ -1829,7 +1862,7 @@
           <a:p>
             <a:fld id="{903AC9F1-D9A0-4F10-88DF-62EC669EC6A0}" type="datetimeFigureOut">
               <a:rPr lang="en-IN" smtClean="0"/>
-              <a:t>28-08-2023</a:t>
+              <a:t>31-08-2023</a:t>
             </a:fld>
             <a:endParaRPr lang="en-IN"/>
           </a:p>
@@ -1971,7 +2004,7 @@
           <a:p>
             <a:fld id="{903AC9F1-D9A0-4F10-88DF-62EC669EC6A0}" type="datetimeFigureOut">
               <a:rPr lang="en-IN" smtClean="0"/>
-              <a:t>28-08-2023</a:t>
+              <a:t>31-08-2023</a:t>
             </a:fld>
             <a:endParaRPr lang="en-IN"/>
           </a:p>
@@ -2084,7 +2117,7 @@
           <a:p>
             <a:fld id="{903AC9F1-D9A0-4F10-88DF-62EC669EC6A0}" type="datetimeFigureOut">
               <a:rPr lang="en-IN" smtClean="0"/>
-              <a:t>28-08-2023</a:t>
+              <a:t>31-08-2023</a:t>
             </a:fld>
             <a:endParaRPr lang="en-IN"/>
           </a:p>
@@ -2397,7 +2430,7 @@
           <a:p>
             <a:fld id="{903AC9F1-D9A0-4F10-88DF-62EC669EC6A0}" type="datetimeFigureOut">
               <a:rPr lang="en-IN" smtClean="0"/>
-              <a:t>28-08-2023</a:t>
+              <a:t>31-08-2023</a:t>
             </a:fld>
             <a:endParaRPr lang="en-IN"/>
           </a:p>
@@ -2686,7 +2719,7 @@
           <a:p>
             <a:fld id="{903AC9F1-D9A0-4F10-88DF-62EC669EC6A0}" type="datetimeFigureOut">
               <a:rPr lang="en-IN" smtClean="0"/>
-              <a:t>28-08-2023</a:t>
+              <a:t>31-08-2023</a:t>
             </a:fld>
             <a:endParaRPr lang="en-IN"/>
           </a:p>
@@ -2929,7 +2962,7 @@
           <a:p>
             <a:fld id="{903AC9F1-D9A0-4F10-88DF-62EC669EC6A0}" type="datetimeFigureOut">
               <a:rPr lang="en-IN" smtClean="0"/>
-              <a:t>28-08-2023</a:t>
+              <a:t>31-08-2023</a:t>
             </a:fld>
             <a:endParaRPr lang="en-IN"/>
           </a:p>
@@ -8125,6 +8158,3274 @@
           <a:chExt cx="0" cy="0"/>
         </a:xfrm>
       </p:grpSpPr>
+      <p:graphicFrame>
+        <p:nvGraphicFramePr>
+          <p:cNvPr id="5" name="Table 5">
+            <a:extLst>
+              <a:ext uri="{FF2B5EF4-FFF2-40B4-BE49-F238E27FC236}">
+                <a16:creationId xmlns:a16="http://schemas.microsoft.com/office/drawing/2014/main" id="{555B1E4F-09E9-BFFF-0FFF-88EB63220AD5}"/>
+              </a:ext>
+            </a:extLst>
+          </p:cNvPr>
+          <p:cNvGraphicFramePr>
+            <a:graphicFrameLocks noGrp="1"/>
+          </p:cNvGraphicFramePr>
+          <p:nvPr>
+            <p:extLst>
+              <p:ext uri="{D42A27DB-BD31-4B8C-83A1-F6EECF244321}">
+                <p14:modId xmlns:p14="http://schemas.microsoft.com/office/powerpoint/2010/main" val="962424956"/>
+              </p:ext>
+            </p:extLst>
+          </p:nvPr>
+        </p:nvGraphicFramePr>
+        <p:xfrm>
+          <a:off x="988157" y="1810393"/>
+          <a:ext cx="517640" cy="2613605"/>
+        </p:xfrm>
+        <a:graphic>
+          <a:graphicData uri="http://schemas.openxmlformats.org/drawingml/2006/table">
+            <a:tbl>
+              <a:tblPr firstRow="1" bandRow="1">
+                <a:tableStyleId>{5C22544A-7EE6-4342-B048-85BDC9FD1C3A}</a:tableStyleId>
+              </a:tblPr>
+              <a:tblGrid>
+                <a:gridCol w="517640">
+                  <a:extLst>
+                    <a:ext uri="{9D8B030D-6E8A-4147-A177-3AD203B41FA5}">
+                      <a16:colId xmlns:a16="http://schemas.microsoft.com/office/drawing/2014/main" val="4268113694"/>
+                    </a:ext>
+                  </a:extLst>
+                </a:gridCol>
+              </a:tblGrid>
+              <a:tr h="522721">
+                <a:tc>
+                  <a:txBody>
+                    <a:bodyPr/>
+                    <a:lstStyle/>
+                    <a:p>
+                      <a:pPr algn="ctr"/>
+                      <a:r>
+                        <a:rPr lang="en-US" sz="1100" dirty="0"/>
+                        <a:t>1</a:t>
+                      </a:r>
+                      <a:endParaRPr lang="en-IN" sz="1100" dirty="0"/>
+                    </a:p>
+                  </a:txBody>
+                  <a:tcPr/>
+                </a:tc>
+                <a:extLst>
+                  <a:ext uri="{0D108BD9-81ED-4DB2-BD59-A6C34878D82A}">
+                    <a16:rowId xmlns:a16="http://schemas.microsoft.com/office/drawing/2014/main" val="1687262628"/>
+                  </a:ext>
+                </a:extLst>
+              </a:tr>
+              <a:tr h="522721">
+                <a:tc>
+                  <a:txBody>
+                    <a:bodyPr/>
+                    <a:lstStyle/>
+                    <a:p>
+                      <a:pPr algn="ctr"/>
+                      <a:r>
+                        <a:rPr lang="en-US" sz="1100" dirty="0"/>
+                        <a:t>2</a:t>
+                      </a:r>
+                      <a:endParaRPr lang="en-IN" sz="1100" dirty="0"/>
+                    </a:p>
+                  </a:txBody>
+                  <a:tcPr/>
+                </a:tc>
+                <a:extLst>
+                  <a:ext uri="{0D108BD9-81ED-4DB2-BD59-A6C34878D82A}">
+                    <a16:rowId xmlns:a16="http://schemas.microsoft.com/office/drawing/2014/main" val="3896025417"/>
+                  </a:ext>
+                </a:extLst>
+              </a:tr>
+              <a:tr h="522721">
+                <a:tc>
+                  <a:txBody>
+                    <a:bodyPr/>
+                    <a:lstStyle/>
+                    <a:p>
+                      <a:pPr algn="ctr"/>
+                      <a:r>
+                        <a:rPr lang="en-US" sz="1100" dirty="0"/>
+                        <a:t>-</a:t>
+                      </a:r>
+                      <a:endParaRPr lang="en-IN" sz="1100" dirty="0"/>
+                    </a:p>
+                  </a:txBody>
+                  <a:tcPr/>
+                </a:tc>
+                <a:extLst>
+                  <a:ext uri="{0D108BD9-81ED-4DB2-BD59-A6C34878D82A}">
+                    <a16:rowId xmlns:a16="http://schemas.microsoft.com/office/drawing/2014/main" val="62805346"/>
+                  </a:ext>
+                </a:extLst>
+              </a:tr>
+              <a:tr h="522721">
+                <a:tc>
+                  <a:txBody>
+                    <a:bodyPr/>
+                    <a:lstStyle/>
+                    <a:p>
+                      <a:pPr algn="ctr"/>
+                      <a:r>
+                        <a:rPr lang="en-US" sz="1100" dirty="0"/>
+                        <a:t>-</a:t>
+                      </a:r>
+                      <a:endParaRPr lang="en-IN" sz="1100" dirty="0"/>
+                    </a:p>
+                  </a:txBody>
+                  <a:tcPr/>
+                </a:tc>
+                <a:extLst>
+                  <a:ext uri="{0D108BD9-81ED-4DB2-BD59-A6C34878D82A}">
+                    <a16:rowId xmlns:a16="http://schemas.microsoft.com/office/drawing/2014/main" val="1074607903"/>
+                  </a:ext>
+                </a:extLst>
+              </a:tr>
+              <a:tr h="522721">
+                <a:tc>
+                  <a:txBody>
+                    <a:bodyPr/>
+                    <a:lstStyle/>
+                    <a:p>
+                      <a:pPr algn="ctr"/>
+                      <a:r>
+                        <a:rPr lang="en-US" sz="1100" dirty="0"/>
+                        <a:t>512</a:t>
+                      </a:r>
+                      <a:endParaRPr lang="en-IN" sz="1100" dirty="0"/>
+                    </a:p>
+                  </a:txBody>
+                  <a:tcPr/>
+                </a:tc>
+                <a:extLst>
+                  <a:ext uri="{0D108BD9-81ED-4DB2-BD59-A6C34878D82A}">
+                    <a16:rowId xmlns:a16="http://schemas.microsoft.com/office/drawing/2014/main" val="1657945302"/>
+                  </a:ext>
+                </a:extLst>
+              </a:tr>
+            </a:tbl>
+          </a:graphicData>
+        </a:graphic>
+      </p:graphicFrame>
+      <p:sp>
+        <p:nvSpPr>
+          <p:cNvPr id="6" name="Oval 5">
+            <a:extLst>
+              <a:ext uri="{FF2B5EF4-FFF2-40B4-BE49-F238E27FC236}">
+                <a16:creationId xmlns:a16="http://schemas.microsoft.com/office/drawing/2014/main" id="{1AD83A0F-8D54-9A6C-3293-CA9E93D1B550}"/>
+              </a:ext>
+            </a:extLst>
+          </p:cNvPr>
+          <p:cNvSpPr/>
+          <p:nvPr/>
+        </p:nvSpPr>
+        <p:spPr>
+          <a:xfrm>
+            <a:off x="3046121" y="660338"/>
+            <a:ext cx="1360718" cy="934316"/>
+          </a:xfrm>
+          <a:prstGeom prst="ellipse">
+            <a:avLst/>
+          </a:prstGeom>
+        </p:spPr>
+        <p:style>
+          <a:lnRef idx="2">
+            <a:schemeClr val="accent1">
+              <a:shade val="15000"/>
+            </a:schemeClr>
+          </a:lnRef>
+          <a:fillRef idx="1">
+            <a:schemeClr val="accent1"/>
+          </a:fillRef>
+          <a:effectRef idx="0">
+            <a:schemeClr val="accent1"/>
+          </a:effectRef>
+          <a:fontRef idx="minor">
+            <a:schemeClr val="lt1"/>
+          </a:fontRef>
+        </p:style>
+        <p:txBody>
+          <a:bodyPr rtlCol="0" anchor="ctr"/>
+          <a:lstStyle/>
+          <a:p>
+            <a:pPr algn="ctr"/>
+            <a:r>
+              <a:rPr lang="en-US" sz="1200" dirty="0"/>
+              <a:t>Z           RELU</a:t>
+            </a:r>
+            <a:endParaRPr lang="en-IN" sz="1200" dirty="0"/>
+          </a:p>
+        </p:txBody>
+      </p:sp>
+      <p:sp>
+        <p:nvSpPr>
+          <p:cNvPr id="11" name="TextBox 10">
+            <a:extLst>
+              <a:ext uri="{FF2B5EF4-FFF2-40B4-BE49-F238E27FC236}">
+                <a16:creationId xmlns:a16="http://schemas.microsoft.com/office/drawing/2014/main" id="{C9463725-755B-98DE-CD88-9F5B729C4C1E}"/>
+              </a:ext>
+            </a:extLst>
+          </p:cNvPr>
+          <p:cNvSpPr txBox="1"/>
+          <p:nvPr/>
+        </p:nvSpPr>
+        <p:spPr>
+          <a:xfrm>
+            <a:off x="3371559" y="3950072"/>
+            <a:ext cx="517640" cy="830997"/>
+          </a:xfrm>
+          <a:prstGeom prst="rect">
+            <a:avLst/>
+          </a:prstGeom>
+          <a:noFill/>
+        </p:spPr>
+        <p:txBody>
+          <a:bodyPr wrap="square" rtlCol="0">
+            <a:spAutoFit/>
+          </a:bodyPr>
+          <a:lstStyle/>
+          <a:p>
+            <a:pPr algn="ctr"/>
+            <a:r>
+              <a:rPr lang="en-US" sz="4800" dirty="0"/>
+              <a:t>-</a:t>
+            </a:r>
+            <a:endParaRPr lang="en-IN" sz="4800" dirty="0"/>
+          </a:p>
+        </p:txBody>
+      </p:sp>
+      <p:sp>
+        <p:nvSpPr>
+          <p:cNvPr id="12" name="TextBox 11">
+            <a:extLst>
+              <a:ext uri="{FF2B5EF4-FFF2-40B4-BE49-F238E27FC236}">
+                <a16:creationId xmlns:a16="http://schemas.microsoft.com/office/drawing/2014/main" id="{3FBA0080-0B99-C416-7EEE-CAE66C7E6744}"/>
+              </a:ext>
+            </a:extLst>
+          </p:cNvPr>
+          <p:cNvSpPr txBox="1"/>
+          <p:nvPr/>
+        </p:nvSpPr>
+        <p:spPr>
+          <a:xfrm>
+            <a:off x="3371559" y="4417806"/>
+            <a:ext cx="517640" cy="830997"/>
+          </a:xfrm>
+          <a:prstGeom prst="rect">
+            <a:avLst/>
+          </a:prstGeom>
+          <a:noFill/>
+        </p:spPr>
+        <p:txBody>
+          <a:bodyPr wrap="square" rtlCol="0">
+            <a:spAutoFit/>
+          </a:bodyPr>
+          <a:lstStyle/>
+          <a:p>
+            <a:pPr algn="ctr"/>
+            <a:r>
+              <a:rPr lang="en-US" sz="4800" dirty="0"/>
+              <a:t>-</a:t>
+            </a:r>
+            <a:endParaRPr lang="en-IN" sz="4800" dirty="0"/>
+          </a:p>
+        </p:txBody>
+      </p:sp>
+      <mc:AlternateContent xmlns:mc="http://schemas.openxmlformats.org/markup-compatibility/2006">
+        <mc:Choice xmlns:p14="http://schemas.microsoft.com/office/powerpoint/2010/main" Requires="p14">
+          <p:contentPart p14:bwMode="auto" r:id="rId2">
+            <p14:nvContentPartPr>
+              <p14:cNvPr id="21" name="Ink 20">
+                <a:extLst>
+                  <a:ext uri="{FF2B5EF4-FFF2-40B4-BE49-F238E27FC236}">
+                    <a16:creationId xmlns:a16="http://schemas.microsoft.com/office/drawing/2014/main" id="{1EFFC583-AD08-1D6F-BDF0-8460FE17365E}"/>
+                  </a:ext>
+                </a:extLst>
+              </p14:cNvPr>
+              <p14:cNvContentPartPr/>
+              <p14:nvPr/>
+            </p14:nvContentPartPr>
+            <p14:xfrm>
+              <a:off x="3129720" y="418586"/>
+              <a:ext cx="360" cy="15480"/>
+            </p14:xfrm>
+          </p:contentPart>
+        </mc:Choice>
+        <mc:Fallback>
+          <p:pic>
+            <p:nvPicPr>
+              <p:cNvPr id="21" name="Ink 20">
+                <a:extLst>
+                  <a:ext uri="{FF2B5EF4-FFF2-40B4-BE49-F238E27FC236}">
+                    <a16:creationId xmlns:a16="http://schemas.microsoft.com/office/drawing/2014/main" id="{1EFFC583-AD08-1D6F-BDF0-8460FE17365E}"/>
+                  </a:ext>
+                </a:extLst>
+              </p:cNvPr>
+              <p:cNvPicPr/>
+              <p:nvPr/>
+            </p:nvPicPr>
+            <p:blipFill>
+              <a:blip r:embed="rId3"/>
+              <a:stretch>
+                <a:fillRect/>
+              </a:stretch>
+            </p:blipFill>
+            <p:spPr>
+              <a:xfrm>
+                <a:off x="3120720" y="409946"/>
+                <a:ext cx="18000" cy="33120"/>
+              </a:xfrm>
+              <a:prstGeom prst="rect">
+                <a:avLst/>
+              </a:prstGeom>
+            </p:spPr>
+          </p:pic>
+        </mc:Fallback>
+      </mc:AlternateContent>
+      <p:cxnSp>
+        <p:nvCxnSpPr>
+          <p:cNvPr id="26" name="Straight Connector 25">
+            <a:extLst>
+              <a:ext uri="{FF2B5EF4-FFF2-40B4-BE49-F238E27FC236}">
+                <a16:creationId xmlns:a16="http://schemas.microsoft.com/office/drawing/2014/main" id="{4239C615-D9E6-380E-57C1-56133DE309A4}"/>
+              </a:ext>
+            </a:extLst>
+          </p:cNvPr>
+          <p:cNvCxnSpPr>
+            <a:cxnSpLocks/>
+            <a:stCxn id="6" idx="0"/>
+            <a:endCxn id="6" idx="4"/>
+          </p:cNvCxnSpPr>
+          <p:nvPr/>
+        </p:nvCxnSpPr>
+        <p:spPr>
+          <a:xfrm>
+            <a:off x="3726480" y="660338"/>
+            <a:ext cx="0" cy="934316"/>
+          </a:xfrm>
+          <a:prstGeom prst="line">
+            <a:avLst/>
+          </a:prstGeom>
+          <a:ln/>
+        </p:spPr>
+        <p:style>
+          <a:lnRef idx="3">
+            <a:schemeClr val="dk1"/>
+          </a:lnRef>
+          <a:fillRef idx="0">
+            <a:schemeClr val="dk1"/>
+          </a:fillRef>
+          <a:effectRef idx="2">
+            <a:schemeClr val="dk1"/>
+          </a:effectRef>
+          <a:fontRef idx="minor">
+            <a:schemeClr val="tx1"/>
+          </a:fontRef>
+        </p:style>
+      </p:cxnSp>
+      <p:sp>
+        <p:nvSpPr>
+          <p:cNvPr id="33" name="Oval 32">
+            <a:extLst>
+              <a:ext uri="{FF2B5EF4-FFF2-40B4-BE49-F238E27FC236}">
+                <a16:creationId xmlns:a16="http://schemas.microsoft.com/office/drawing/2014/main" id="{31628C46-9211-1F44-E1E1-947776E5348D}"/>
+              </a:ext>
+            </a:extLst>
+          </p:cNvPr>
+          <p:cNvSpPr/>
+          <p:nvPr/>
+        </p:nvSpPr>
+        <p:spPr>
+          <a:xfrm>
+            <a:off x="2950020" y="1808711"/>
+            <a:ext cx="1360718" cy="934316"/>
+          </a:xfrm>
+          <a:prstGeom prst="ellipse">
+            <a:avLst/>
+          </a:prstGeom>
+        </p:spPr>
+        <p:style>
+          <a:lnRef idx="2">
+            <a:schemeClr val="accent1">
+              <a:shade val="15000"/>
+            </a:schemeClr>
+          </a:lnRef>
+          <a:fillRef idx="1">
+            <a:schemeClr val="accent1"/>
+          </a:fillRef>
+          <a:effectRef idx="0">
+            <a:schemeClr val="accent1"/>
+          </a:effectRef>
+          <a:fontRef idx="minor">
+            <a:schemeClr val="lt1"/>
+          </a:fontRef>
+        </p:style>
+        <p:txBody>
+          <a:bodyPr rtlCol="0" anchor="ctr"/>
+          <a:lstStyle/>
+          <a:p>
+            <a:pPr algn="ctr"/>
+            <a:r>
+              <a:rPr lang="en-US" sz="1200" dirty="0"/>
+              <a:t>Z           RELU</a:t>
+            </a:r>
+            <a:endParaRPr lang="en-IN" sz="1200" dirty="0"/>
+          </a:p>
+        </p:txBody>
+      </p:sp>
+      <p:sp>
+        <p:nvSpPr>
+          <p:cNvPr id="34" name="Oval 33">
+            <a:extLst>
+              <a:ext uri="{FF2B5EF4-FFF2-40B4-BE49-F238E27FC236}">
+                <a16:creationId xmlns:a16="http://schemas.microsoft.com/office/drawing/2014/main" id="{68829A4F-31E3-F960-B84F-F7A62C4BBBF5}"/>
+              </a:ext>
+            </a:extLst>
+          </p:cNvPr>
+          <p:cNvSpPr/>
+          <p:nvPr/>
+        </p:nvSpPr>
+        <p:spPr>
+          <a:xfrm>
+            <a:off x="2950020" y="2933957"/>
+            <a:ext cx="1360718" cy="934316"/>
+          </a:xfrm>
+          <a:prstGeom prst="ellipse">
+            <a:avLst/>
+          </a:prstGeom>
+        </p:spPr>
+        <p:style>
+          <a:lnRef idx="2">
+            <a:schemeClr val="accent1">
+              <a:shade val="15000"/>
+            </a:schemeClr>
+          </a:lnRef>
+          <a:fillRef idx="1">
+            <a:schemeClr val="accent1"/>
+          </a:fillRef>
+          <a:effectRef idx="0">
+            <a:schemeClr val="accent1"/>
+          </a:effectRef>
+          <a:fontRef idx="minor">
+            <a:schemeClr val="lt1"/>
+          </a:fontRef>
+        </p:style>
+        <p:txBody>
+          <a:bodyPr rtlCol="0" anchor="ctr"/>
+          <a:lstStyle/>
+          <a:p>
+            <a:pPr algn="ctr"/>
+            <a:r>
+              <a:rPr lang="en-US" sz="1200" dirty="0"/>
+              <a:t>Z           RELU</a:t>
+            </a:r>
+            <a:endParaRPr lang="en-IN" sz="1200" dirty="0"/>
+          </a:p>
+        </p:txBody>
+      </p:sp>
+      <p:sp>
+        <p:nvSpPr>
+          <p:cNvPr id="35" name="Oval 34">
+            <a:extLst>
+              <a:ext uri="{FF2B5EF4-FFF2-40B4-BE49-F238E27FC236}">
+                <a16:creationId xmlns:a16="http://schemas.microsoft.com/office/drawing/2014/main" id="{95A25CC9-039C-CB4D-9853-0122013C2AA3}"/>
+              </a:ext>
+            </a:extLst>
+          </p:cNvPr>
+          <p:cNvSpPr/>
+          <p:nvPr/>
+        </p:nvSpPr>
+        <p:spPr>
+          <a:xfrm>
+            <a:off x="2950020" y="5300415"/>
+            <a:ext cx="1360718" cy="934316"/>
+          </a:xfrm>
+          <a:prstGeom prst="ellipse">
+            <a:avLst/>
+          </a:prstGeom>
+        </p:spPr>
+        <p:style>
+          <a:lnRef idx="2">
+            <a:schemeClr val="accent1">
+              <a:shade val="15000"/>
+            </a:schemeClr>
+          </a:lnRef>
+          <a:fillRef idx="1">
+            <a:schemeClr val="accent1"/>
+          </a:fillRef>
+          <a:effectRef idx="0">
+            <a:schemeClr val="accent1"/>
+          </a:effectRef>
+          <a:fontRef idx="minor">
+            <a:schemeClr val="lt1"/>
+          </a:fontRef>
+        </p:style>
+        <p:txBody>
+          <a:bodyPr rtlCol="0" anchor="ctr"/>
+          <a:lstStyle/>
+          <a:p>
+            <a:pPr algn="ctr"/>
+            <a:r>
+              <a:rPr lang="en-US" sz="1200" dirty="0"/>
+              <a:t>Z           RELU</a:t>
+            </a:r>
+            <a:endParaRPr lang="en-IN" sz="1200" dirty="0"/>
+          </a:p>
+        </p:txBody>
+      </p:sp>
+      <p:cxnSp>
+        <p:nvCxnSpPr>
+          <p:cNvPr id="40" name="Straight Connector 39">
+            <a:extLst>
+              <a:ext uri="{FF2B5EF4-FFF2-40B4-BE49-F238E27FC236}">
+                <a16:creationId xmlns:a16="http://schemas.microsoft.com/office/drawing/2014/main" id="{7663B171-7779-4038-ECF0-F0C5B9748D9D}"/>
+              </a:ext>
+            </a:extLst>
+          </p:cNvPr>
+          <p:cNvCxnSpPr>
+            <a:cxnSpLocks/>
+            <a:stCxn id="33" idx="4"/>
+            <a:endCxn id="33" idx="0"/>
+          </p:cNvCxnSpPr>
+          <p:nvPr/>
+        </p:nvCxnSpPr>
+        <p:spPr>
+          <a:xfrm flipV="1">
+            <a:off x="3630379" y="1808711"/>
+            <a:ext cx="0" cy="934316"/>
+          </a:xfrm>
+          <a:prstGeom prst="line">
+            <a:avLst/>
+          </a:prstGeom>
+          <a:ln/>
+        </p:spPr>
+        <p:style>
+          <a:lnRef idx="3">
+            <a:schemeClr val="dk1"/>
+          </a:lnRef>
+          <a:fillRef idx="0">
+            <a:schemeClr val="dk1"/>
+          </a:fillRef>
+          <a:effectRef idx="2">
+            <a:schemeClr val="dk1"/>
+          </a:effectRef>
+          <a:fontRef idx="minor">
+            <a:schemeClr val="tx1"/>
+          </a:fontRef>
+        </p:style>
+      </p:cxnSp>
+      <p:cxnSp>
+        <p:nvCxnSpPr>
+          <p:cNvPr id="43" name="Straight Connector 42">
+            <a:extLst>
+              <a:ext uri="{FF2B5EF4-FFF2-40B4-BE49-F238E27FC236}">
+                <a16:creationId xmlns:a16="http://schemas.microsoft.com/office/drawing/2014/main" id="{CE4B3EAC-6273-9EDA-04E3-6C6C0A8C33CC}"/>
+              </a:ext>
+            </a:extLst>
+          </p:cNvPr>
+          <p:cNvCxnSpPr>
+            <a:cxnSpLocks/>
+            <a:stCxn id="34" idx="0"/>
+            <a:endCxn id="34" idx="4"/>
+          </p:cNvCxnSpPr>
+          <p:nvPr/>
+        </p:nvCxnSpPr>
+        <p:spPr>
+          <a:xfrm>
+            <a:off x="3630379" y="2933957"/>
+            <a:ext cx="0" cy="934316"/>
+          </a:xfrm>
+          <a:prstGeom prst="line">
+            <a:avLst/>
+          </a:prstGeom>
+          <a:ln/>
+        </p:spPr>
+        <p:style>
+          <a:lnRef idx="3">
+            <a:schemeClr val="dk1"/>
+          </a:lnRef>
+          <a:fillRef idx="0">
+            <a:schemeClr val="dk1"/>
+          </a:fillRef>
+          <a:effectRef idx="2">
+            <a:schemeClr val="dk1"/>
+          </a:effectRef>
+          <a:fontRef idx="minor">
+            <a:schemeClr val="tx1"/>
+          </a:fontRef>
+        </p:style>
+      </p:cxnSp>
+      <p:cxnSp>
+        <p:nvCxnSpPr>
+          <p:cNvPr id="46" name="Straight Connector 45">
+            <a:extLst>
+              <a:ext uri="{FF2B5EF4-FFF2-40B4-BE49-F238E27FC236}">
+                <a16:creationId xmlns:a16="http://schemas.microsoft.com/office/drawing/2014/main" id="{1C0E0A22-0225-B102-971B-24DCF56ED3F6}"/>
+              </a:ext>
+            </a:extLst>
+          </p:cNvPr>
+          <p:cNvCxnSpPr>
+            <a:cxnSpLocks/>
+            <a:stCxn id="35" idx="4"/>
+            <a:endCxn id="35" idx="0"/>
+          </p:cNvCxnSpPr>
+          <p:nvPr/>
+        </p:nvCxnSpPr>
+        <p:spPr>
+          <a:xfrm flipV="1">
+            <a:off x="3630379" y="5300415"/>
+            <a:ext cx="0" cy="934316"/>
+          </a:xfrm>
+          <a:prstGeom prst="line">
+            <a:avLst/>
+          </a:prstGeom>
+          <a:ln/>
+        </p:spPr>
+        <p:style>
+          <a:lnRef idx="3">
+            <a:schemeClr val="dk1"/>
+          </a:lnRef>
+          <a:fillRef idx="0">
+            <a:schemeClr val="dk1"/>
+          </a:fillRef>
+          <a:effectRef idx="2">
+            <a:schemeClr val="dk1"/>
+          </a:effectRef>
+          <a:fontRef idx="minor">
+            <a:schemeClr val="tx1"/>
+          </a:fontRef>
+        </p:style>
+      </p:cxnSp>
+      <p:sp>
+        <p:nvSpPr>
+          <p:cNvPr id="55" name="Oval 54">
+            <a:extLst>
+              <a:ext uri="{FF2B5EF4-FFF2-40B4-BE49-F238E27FC236}">
+                <a16:creationId xmlns:a16="http://schemas.microsoft.com/office/drawing/2014/main" id="{370C126B-B5A5-FDBD-6578-B8E4909CBEF8}"/>
+              </a:ext>
+            </a:extLst>
+          </p:cNvPr>
+          <p:cNvSpPr/>
+          <p:nvPr/>
+        </p:nvSpPr>
+        <p:spPr>
+          <a:xfrm>
+            <a:off x="6019791" y="683466"/>
+            <a:ext cx="1360718" cy="934316"/>
+          </a:xfrm>
+          <a:prstGeom prst="ellipse">
+            <a:avLst/>
+          </a:prstGeom>
+        </p:spPr>
+        <p:style>
+          <a:lnRef idx="2">
+            <a:schemeClr val="accent1">
+              <a:shade val="15000"/>
+            </a:schemeClr>
+          </a:lnRef>
+          <a:fillRef idx="1">
+            <a:schemeClr val="accent1"/>
+          </a:fillRef>
+          <a:effectRef idx="0">
+            <a:schemeClr val="accent1"/>
+          </a:effectRef>
+          <a:fontRef idx="minor">
+            <a:schemeClr val="lt1"/>
+          </a:fontRef>
+        </p:style>
+        <p:txBody>
+          <a:bodyPr rtlCol="0" anchor="ctr"/>
+          <a:lstStyle/>
+          <a:p>
+            <a:pPr algn="ctr"/>
+            <a:r>
+              <a:rPr lang="en-US" sz="1200" dirty="0"/>
+              <a:t>Z           RELU</a:t>
+            </a:r>
+            <a:endParaRPr lang="en-IN" sz="1200" dirty="0"/>
+          </a:p>
+        </p:txBody>
+      </p:sp>
+      <p:sp>
+        <p:nvSpPr>
+          <p:cNvPr id="56" name="TextBox 55">
+            <a:extLst>
+              <a:ext uri="{FF2B5EF4-FFF2-40B4-BE49-F238E27FC236}">
+                <a16:creationId xmlns:a16="http://schemas.microsoft.com/office/drawing/2014/main" id="{CB805D6C-BAA6-C48B-E27C-926B3609635B}"/>
+              </a:ext>
+            </a:extLst>
+          </p:cNvPr>
+          <p:cNvSpPr txBox="1"/>
+          <p:nvPr/>
+        </p:nvSpPr>
+        <p:spPr>
+          <a:xfrm>
+            <a:off x="6441330" y="3884756"/>
+            <a:ext cx="517640" cy="830997"/>
+          </a:xfrm>
+          <a:prstGeom prst="rect">
+            <a:avLst/>
+          </a:prstGeom>
+          <a:noFill/>
+        </p:spPr>
+        <p:txBody>
+          <a:bodyPr wrap="square" rtlCol="0">
+            <a:spAutoFit/>
+          </a:bodyPr>
+          <a:lstStyle/>
+          <a:p>
+            <a:pPr algn="ctr"/>
+            <a:r>
+              <a:rPr lang="en-US" sz="4800" dirty="0"/>
+              <a:t>-</a:t>
+            </a:r>
+            <a:endParaRPr lang="en-IN" sz="4800" dirty="0"/>
+          </a:p>
+        </p:txBody>
+      </p:sp>
+      <p:sp>
+        <p:nvSpPr>
+          <p:cNvPr id="57" name="TextBox 56">
+            <a:extLst>
+              <a:ext uri="{FF2B5EF4-FFF2-40B4-BE49-F238E27FC236}">
+                <a16:creationId xmlns:a16="http://schemas.microsoft.com/office/drawing/2014/main" id="{2AFF81F2-F069-48F3-0A6D-95F78B427041}"/>
+              </a:ext>
+            </a:extLst>
+          </p:cNvPr>
+          <p:cNvSpPr txBox="1"/>
+          <p:nvPr/>
+        </p:nvSpPr>
+        <p:spPr>
+          <a:xfrm>
+            <a:off x="6441330" y="4352490"/>
+            <a:ext cx="517640" cy="830997"/>
+          </a:xfrm>
+          <a:prstGeom prst="rect">
+            <a:avLst/>
+          </a:prstGeom>
+          <a:noFill/>
+        </p:spPr>
+        <p:txBody>
+          <a:bodyPr wrap="square" rtlCol="0">
+            <a:spAutoFit/>
+          </a:bodyPr>
+          <a:lstStyle/>
+          <a:p>
+            <a:pPr algn="ctr"/>
+            <a:r>
+              <a:rPr lang="en-US" sz="4800" dirty="0"/>
+              <a:t>-</a:t>
+            </a:r>
+            <a:endParaRPr lang="en-IN" sz="4800" dirty="0"/>
+          </a:p>
+        </p:txBody>
+      </p:sp>
+      <p:cxnSp>
+        <p:nvCxnSpPr>
+          <p:cNvPr id="58" name="Straight Connector 57">
+            <a:extLst>
+              <a:ext uri="{FF2B5EF4-FFF2-40B4-BE49-F238E27FC236}">
+                <a16:creationId xmlns:a16="http://schemas.microsoft.com/office/drawing/2014/main" id="{C25F215D-0DA1-E7BC-69E5-D52CBE9EB677}"/>
+              </a:ext>
+            </a:extLst>
+          </p:cNvPr>
+          <p:cNvCxnSpPr>
+            <a:cxnSpLocks/>
+            <a:stCxn id="55" idx="0"/>
+            <a:endCxn id="55" idx="4"/>
+          </p:cNvCxnSpPr>
+          <p:nvPr/>
+        </p:nvCxnSpPr>
+        <p:spPr>
+          <a:xfrm>
+            <a:off x="6700150" y="683466"/>
+            <a:ext cx="0" cy="934316"/>
+          </a:xfrm>
+          <a:prstGeom prst="line">
+            <a:avLst/>
+          </a:prstGeom>
+          <a:ln/>
+        </p:spPr>
+        <p:style>
+          <a:lnRef idx="3">
+            <a:schemeClr val="dk1"/>
+          </a:lnRef>
+          <a:fillRef idx="0">
+            <a:schemeClr val="dk1"/>
+          </a:fillRef>
+          <a:effectRef idx="2">
+            <a:schemeClr val="dk1"/>
+          </a:effectRef>
+          <a:fontRef idx="minor">
+            <a:schemeClr val="tx1"/>
+          </a:fontRef>
+        </p:style>
+      </p:cxnSp>
+      <p:sp>
+        <p:nvSpPr>
+          <p:cNvPr id="59" name="Oval 58">
+            <a:extLst>
+              <a:ext uri="{FF2B5EF4-FFF2-40B4-BE49-F238E27FC236}">
+                <a16:creationId xmlns:a16="http://schemas.microsoft.com/office/drawing/2014/main" id="{5D21F2EE-CE78-65A8-A62C-37B922250082}"/>
+              </a:ext>
+            </a:extLst>
+          </p:cNvPr>
+          <p:cNvSpPr/>
+          <p:nvPr/>
+        </p:nvSpPr>
+        <p:spPr>
+          <a:xfrm>
+            <a:off x="6019791" y="1808711"/>
+            <a:ext cx="1360718" cy="934316"/>
+          </a:xfrm>
+          <a:prstGeom prst="ellipse">
+            <a:avLst/>
+          </a:prstGeom>
+        </p:spPr>
+        <p:style>
+          <a:lnRef idx="2">
+            <a:schemeClr val="accent1">
+              <a:shade val="15000"/>
+            </a:schemeClr>
+          </a:lnRef>
+          <a:fillRef idx="1">
+            <a:schemeClr val="accent1"/>
+          </a:fillRef>
+          <a:effectRef idx="0">
+            <a:schemeClr val="accent1"/>
+          </a:effectRef>
+          <a:fontRef idx="minor">
+            <a:schemeClr val="lt1"/>
+          </a:fontRef>
+        </p:style>
+        <p:txBody>
+          <a:bodyPr rtlCol="0" anchor="ctr"/>
+          <a:lstStyle/>
+          <a:p>
+            <a:pPr algn="ctr"/>
+            <a:r>
+              <a:rPr lang="en-US" sz="1200" dirty="0"/>
+              <a:t>Z           RELU</a:t>
+            </a:r>
+            <a:endParaRPr lang="en-IN" sz="1200" dirty="0"/>
+          </a:p>
+        </p:txBody>
+      </p:sp>
+      <p:sp>
+        <p:nvSpPr>
+          <p:cNvPr id="60" name="Oval 59">
+            <a:extLst>
+              <a:ext uri="{FF2B5EF4-FFF2-40B4-BE49-F238E27FC236}">
+                <a16:creationId xmlns:a16="http://schemas.microsoft.com/office/drawing/2014/main" id="{EB14285D-1366-4585-2228-2D4EC38D7A6C}"/>
+              </a:ext>
+            </a:extLst>
+          </p:cNvPr>
+          <p:cNvSpPr/>
+          <p:nvPr/>
+        </p:nvSpPr>
+        <p:spPr>
+          <a:xfrm>
+            <a:off x="6019791" y="2933957"/>
+            <a:ext cx="1360718" cy="934316"/>
+          </a:xfrm>
+          <a:prstGeom prst="ellipse">
+            <a:avLst/>
+          </a:prstGeom>
+        </p:spPr>
+        <p:style>
+          <a:lnRef idx="2">
+            <a:schemeClr val="accent1">
+              <a:shade val="15000"/>
+            </a:schemeClr>
+          </a:lnRef>
+          <a:fillRef idx="1">
+            <a:schemeClr val="accent1"/>
+          </a:fillRef>
+          <a:effectRef idx="0">
+            <a:schemeClr val="accent1"/>
+          </a:effectRef>
+          <a:fontRef idx="minor">
+            <a:schemeClr val="lt1"/>
+          </a:fontRef>
+        </p:style>
+        <p:txBody>
+          <a:bodyPr rtlCol="0" anchor="ctr"/>
+          <a:lstStyle/>
+          <a:p>
+            <a:pPr algn="ctr"/>
+            <a:r>
+              <a:rPr lang="en-US" sz="1200" dirty="0"/>
+              <a:t>Z           RELU</a:t>
+            </a:r>
+            <a:endParaRPr lang="en-IN" sz="1200" dirty="0"/>
+          </a:p>
+        </p:txBody>
+      </p:sp>
+      <p:sp>
+        <p:nvSpPr>
+          <p:cNvPr id="61" name="Oval 60">
+            <a:extLst>
+              <a:ext uri="{FF2B5EF4-FFF2-40B4-BE49-F238E27FC236}">
+                <a16:creationId xmlns:a16="http://schemas.microsoft.com/office/drawing/2014/main" id="{92057D40-BE90-31A1-B176-C200B7EC6B84}"/>
+              </a:ext>
+            </a:extLst>
+          </p:cNvPr>
+          <p:cNvSpPr/>
+          <p:nvPr/>
+        </p:nvSpPr>
+        <p:spPr>
+          <a:xfrm>
+            <a:off x="6019790" y="5001487"/>
+            <a:ext cx="1360718" cy="934316"/>
+          </a:xfrm>
+          <a:prstGeom prst="ellipse">
+            <a:avLst/>
+          </a:prstGeom>
+        </p:spPr>
+        <p:style>
+          <a:lnRef idx="2">
+            <a:schemeClr val="accent1">
+              <a:shade val="15000"/>
+            </a:schemeClr>
+          </a:lnRef>
+          <a:fillRef idx="1">
+            <a:schemeClr val="accent1"/>
+          </a:fillRef>
+          <a:effectRef idx="0">
+            <a:schemeClr val="accent1"/>
+          </a:effectRef>
+          <a:fontRef idx="minor">
+            <a:schemeClr val="lt1"/>
+          </a:fontRef>
+        </p:style>
+        <p:txBody>
+          <a:bodyPr rtlCol="0" anchor="ctr"/>
+          <a:lstStyle/>
+          <a:p>
+            <a:pPr algn="ctr"/>
+            <a:r>
+              <a:rPr lang="en-US" sz="1200" dirty="0"/>
+              <a:t>Z           RELU</a:t>
+            </a:r>
+            <a:endParaRPr lang="en-IN" sz="1200" dirty="0"/>
+          </a:p>
+        </p:txBody>
+      </p:sp>
+      <p:cxnSp>
+        <p:nvCxnSpPr>
+          <p:cNvPr id="62" name="Straight Connector 61">
+            <a:extLst>
+              <a:ext uri="{FF2B5EF4-FFF2-40B4-BE49-F238E27FC236}">
+                <a16:creationId xmlns:a16="http://schemas.microsoft.com/office/drawing/2014/main" id="{8962A117-753D-1C62-F1E2-FEF7330F5F44}"/>
+              </a:ext>
+            </a:extLst>
+          </p:cNvPr>
+          <p:cNvCxnSpPr>
+            <a:cxnSpLocks/>
+            <a:stCxn id="59" idx="4"/>
+            <a:endCxn id="59" idx="0"/>
+          </p:cNvCxnSpPr>
+          <p:nvPr/>
+        </p:nvCxnSpPr>
+        <p:spPr>
+          <a:xfrm flipV="1">
+            <a:off x="6700150" y="1808711"/>
+            <a:ext cx="0" cy="934316"/>
+          </a:xfrm>
+          <a:prstGeom prst="line">
+            <a:avLst/>
+          </a:prstGeom>
+          <a:ln/>
+        </p:spPr>
+        <p:style>
+          <a:lnRef idx="3">
+            <a:schemeClr val="dk1"/>
+          </a:lnRef>
+          <a:fillRef idx="0">
+            <a:schemeClr val="dk1"/>
+          </a:fillRef>
+          <a:effectRef idx="2">
+            <a:schemeClr val="dk1"/>
+          </a:effectRef>
+          <a:fontRef idx="minor">
+            <a:schemeClr val="tx1"/>
+          </a:fontRef>
+        </p:style>
+      </p:cxnSp>
+      <p:cxnSp>
+        <p:nvCxnSpPr>
+          <p:cNvPr id="63" name="Straight Connector 62">
+            <a:extLst>
+              <a:ext uri="{FF2B5EF4-FFF2-40B4-BE49-F238E27FC236}">
+                <a16:creationId xmlns:a16="http://schemas.microsoft.com/office/drawing/2014/main" id="{895BEE3B-2797-B101-9E7A-628E78659141}"/>
+              </a:ext>
+            </a:extLst>
+          </p:cNvPr>
+          <p:cNvCxnSpPr>
+            <a:cxnSpLocks/>
+            <a:stCxn id="60" idx="0"/>
+            <a:endCxn id="60" idx="4"/>
+          </p:cNvCxnSpPr>
+          <p:nvPr/>
+        </p:nvCxnSpPr>
+        <p:spPr>
+          <a:xfrm>
+            <a:off x="6700150" y="2933957"/>
+            <a:ext cx="0" cy="934316"/>
+          </a:xfrm>
+          <a:prstGeom prst="line">
+            <a:avLst/>
+          </a:prstGeom>
+          <a:ln/>
+        </p:spPr>
+        <p:style>
+          <a:lnRef idx="3">
+            <a:schemeClr val="dk1"/>
+          </a:lnRef>
+          <a:fillRef idx="0">
+            <a:schemeClr val="dk1"/>
+          </a:fillRef>
+          <a:effectRef idx="2">
+            <a:schemeClr val="dk1"/>
+          </a:effectRef>
+          <a:fontRef idx="minor">
+            <a:schemeClr val="tx1"/>
+          </a:fontRef>
+        </p:style>
+      </p:cxnSp>
+      <p:cxnSp>
+        <p:nvCxnSpPr>
+          <p:cNvPr id="64" name="Straight Connector 63">
+            <a:extLst>
+              <a:ext uri="{FF2B5EF4-FFF2-40B4-BE49-F238E27FC236}">
+                <a16:creationId xmlns:a16="http://schemas.microsoft.com/office/drawing/2014/main" id="{57E158D5-E893-3B93-C435-4E9428D1CE46}"/>
+              </a:ext>
+            </a:extLst>
+          </p:cNvPr>
+          <p:cNvCxnSpPr>
+            <a:cxnSpLocks/>
+            <a:stCxn id="61" idx="4"/>
+            <a:endCxn id="61" idx="0"/>
+          </p:cNvCxnSpPr>
+          <p:nvPr/>
+        </p:nvCxnSpPr>
+        <p:spPr>
+          <a:xfrm flipV="1">
+            <a:off x="6700149" y="5001487"/>
+            <a:ext cx="0" cy="934316"/>
+          </a:xfrm>
+          <a:prstGeom prst="line">
+            <a:avLst/>
+          </a:prstGeom>
+          <a:ln/>
+        </p:spPr>
+        <p:style>
+          <a:lnRef idx="3">
+            <a:schemeClr val="dk1"/>
+          </a:lnRef>
+          <a:fillRef idx="0">
+            <a:schemeClr val="dk1"/>
+          </a:fillRef>
+          <a:effectRef idx="2">
+            <a:schemeClr val="dk1"/>
+          </a:effectRef>
+          <a:fontRef idx="minor">
+            <a:schemeClr val="tx1"/>
+          </a:fontRef>
+        </p:style>
+      </p:cxnSp>
+      <p:cxnSp>
+        <p:nvCxnSpPr>
+          <p:cNvPr id="66" name="Straight Arrow Connector 65">
+            <a:extLst>
+              <a:ext uri="{FF2B5EF4-FFF2-40B4-BE49-F238E27FC236}">
+                <a16:creationId xmlns:a16="http://schemas.microsoft.com/office/drawing/2014/main" id="{18AF27B1-32D5-DECD-CA2C-5F9524C3E8F5}"/>
+              </a:ext>
+            </a:extLst>
+          </p:cNvPr>
+          <p:cNvCxnSpPr>
+            <a:stCxn id="6" idx="6"/>
+            <a:endCxn id="55" idx="2"/>
+          </p:cNvCxnSpPr>
+          <p:nvPr/>
+        </p:nvCxnSpPr>
+        <p:spPr>
+          <a:xfrm>
+            <a:off x="4406839" y="1127496"/>
+            <a:ext cx="1612952" cy="23128"/>
+          </a:xfrm>
+          <a:prstGeom prst="straightConnector1">
+            <a:avLst/>
+          </a:prstGeom>
+          <a:ln>
+            <a:headEnd type="triangle"/>
+            <a:tailEnd type="triangle"/>
+          </a:ln>
+        </p:spPr>
+        <p:style>
+          <a:lnRef idx="1">
+            <a:schemeClr val="accent1"/>
+          </a:lnRef>
+          <a:fillRef idx="0">
+            <a:schemeClr val="accent1"/>
+          </a:fillRef>
+          <a:effectRef idx="0">
+            <a:schemeClr val="accent1"/>
+          </a:effectRef>
+          <a:fontRef idx="minor">
+            <a:schemeClr val="tx1"/>
+          </a:fontRef>
+        </p:style>
+      </p:cxnSp>
+      <p:cxnSp>
+        <p:nvCxnSpPr>
+          <p:cNvPr id="67" name="Straight Arrow Connector 66">
+            <a:extLst>
+              <a:ext uri="{FF2B5EF4-FFF2-40B4-BE49-F238E27FC236}">
+                <a16:creationId xmlns:a16="http://schemas.microsoft.com/office/drawing/2014/main" id="{6DE8B182-4740-B2BF-22D7-02081FCE8FFD}"/>
+              </a:ext>
+            </a:extLst>
+          </p:cNvPr>
+          <p:cNvCxnSpPr>
+            <a:cxnSpLocks/>
+            <a:stCxn id="6" idx="6"/>
+            <a:endCxn id="59" idx="2"/>
+          </p:cNvCxnSpPr>
+          <p:nvPr/>
+        </p:nvCxnSpPr>
+        <p:spPr>
+          <a:xfrm>
+            <a:off x="4406839" y="1127496"/>
+            <a:ext cx="1612952" cy="1148373"/>
+          </a:xfrm>
+          <a:prstGeom prst="straightConnector1">
+            <a:avLst/>
+          </a:prstGeom>
+          <a:ln>
+            <a:headEnd type="triangle"/>
+            <a:tailEnd type="triangle"/>
+          </a:ln>
+        </p:spPr>
+        <p:style>
+          <a:lnRef idx="1">
+            <a:schemeClr val="accent1"/>
+          </a:lnRef>
+          <a:fillRef idx="0">
+            <a:schemeClr val="accent1"/>
+          </a:fillRef>
+          <a:effectRef idx="0">
+            <a:schemeClr val="accent1"/>
+          </a:effectRef>
+          <a:fontRef idx="minor">
+            <a:schemeClr val="tx1"/>
+          </a:fontRef>
+        </p:style>
+      </p:cxnSp>
+      <p:cxnSp>
+        <p:nvCxnSpPr>
+          <p:cNvPr id="70" name="Straight Arrow Connector 69">
+            <a:extLst>
+              <a:ext uri="{FF2B5EF4-FFF2-40B4-BE49-F238E27FC236}">
+                <a16:creationId xmlns:a16="http://schemas.microsoft.com/office/drawing/2014/main" id="{CD7AADB0-569D-44EB-F9BE-CBEBD3DE9F0C}"/>
+              </a:ext>
+            </a:extLst>
+          </p:cNvPr>
+          <p:cNvCxnSpPr>
+            <a:cxnSpLocks/>
+            <a:stCxn id="6" idx="6"/>
+            <a:endCxn id="60" idx="2"/>
+          </p:cNvCxnSpPr>
+          <p:nvPr/>
+        </p:nvCxnSpPr>
+        <p:spPr>
+          <a:xfrm>
+            <a:off x="4406839" y="1127496"/>
+            <a:ext cx="1612952" cy="2273619"/>
+          </a:xfrm>
+          <a:prstGeom prst="straightConnector1">
+            <a:avLst/>
+          </a:prstGeom>
+          <a:ln>
+            <a:headEnd type="triangle"/>
+            <a:tailEnd type="triangle"/>
+          </a:ln>
+        </p:spPr>
+        <p:style>
+          <a:lnRef idx="1">
+            <a:schemeClr val="accent1"/>
+          </a:lnRef>
+          <a:fillRef idx="0">
+            <a:schemeClr val="accent1"/>
+          </a:fillRef>
+          <a:effectRef idx="0">
+            <a:schemeClr val="accent1"/>
+          </a:effectRef>
+          <a:fontRef idx="minor">
+            <a:schemeClr val="tx1"/>
+          </a:fontRef>
+        </p:style>
+      </p:cxnSp>
+      <p:cxnSp>
+        <p:nvCxnSpPr>
+          <p:cNvPr id="73" name="Straight Arrow Connector 72">
+            <a:extLst>
+              <a:ext uri="{FF2B5EF4-FFF2-40B4-BE49-F238E27FC236}">
+                <a16:creationId xmlns:a16="http://schemas.microsoft.com/office/drawing/2014/main" id="{0E768AC2-1E83-5D7A-B210-63C1A05DC6FA}"/>
+              </a:ext>
+            </a:extLst>
+          </p:cNvPr>
+          <p:cNvCxnSpPr>
+            <a:cxnSpLocks/>
+            <a:stCxn id="6" idx="6"/>
+            <a:endCxn id="61" idx="2"/>
+          </p:cNvCxnSpPr>
+          <p:nvPr/>
+        </p:nvCxnSpPr>
+        <p:spPr>
+          <a:xfrm>
+            <a:off x="4406839" y="1127496"/>
+            <a:ext cx="1612951" cy="4341149"/>
+          </a:xfrm>
+          <a:prstGeom prst="straightConnector1">
+            <a:avLst/>
+          </a:prstGeom>
+          <a:ln>
+            <a:headEnd type="triangle"/>
+            <a:tailEnd type="triangle"/>
+          </a:ln>
+        </p:spPr>
+        <p:style>
+          <a:lnRef idx="1">
+            <a:schemeClr val="accent1"/>
+          </a:lnRef>
+          <a:fillRef idx="0">
+            <a:schemeClr val="accent1"/>
+          </a:fillRef>
+          <a:effectRef idx="0">
+            <a:schemeClr val="accent1"/>
+          </a:effectRef>
+          <a:fontRef idx="minor">
+            <a:schemeClr val="tx1"/>
+          </a:fontRef>
+        </p:style>
+      </p:cxnSp>
+      <p:cxnSp>
+        <p:nvCxnSpPr>
+          <p:cNvPr id="83" name="Straight Arrow Connector 82">
+            <a:extLst>
+              <a:ext uri="{FF2B5EF4-FFF2-40B4-BE49-F238E27FC236}">
+                <a16:creationId xmlns:a16="http://schemas.microsoft.com/office/drawing/2014/main" id="{AD3F65B8-49A3-D9D7-3323-FB3F978E7EA5}"/>
+              </a:ext>
+            </a:extLst>
+          </p:cNvPr>
+          <p:cNvCxnSpPr>
+            <a:cxnSpLocks/>
+            <a:stCxn id="33" idx="6"/>
+            <a:endCxn id="55" idx="2"/>
+          </p:cNvCxnSpPr>
+          <p:nvPr/>
+        </p:nvCxnSpPr>
+        <p:spPr>
+          <a:xfrm flipV="1">
+            <a:off x="4310738" y="1150624"/>
+            <a:ext cx="1709053" cy="1125245"/>
+          </a:xfrm>
+          <a:prstGeom prst="straightConnector1">
+            <a:avLst/>
+          </a:prstGeom>
+          <a:ln>
+            <a:headEnd type="triangle"/>
+            <a:tailEnd type="triangle"/>
+          </a:ln>
+        </p:spPr>
+        <p:style>
+          <a:lnRef idx="1">
+            <a:schemeClr val="accent1"/>
+          </a:lnRef>
+          <a:fillRef idx="0">
+            <a:schemeClr val="accent1"/>
+          </a:fillRef>
+          <a:effectRef idx="0">
+            <a:schemeClr val="accent1"/>
+          </a:effectRef>
+          <a:fontRef idx="minor">
+            <a:schemeClr val="tx1"/>
+          </a:fontRef>
+        </p:style>
+      </p:cxnSp>
+      <p:cxnSp>
+        <p:nvCxnSpPr>
+          <p:cNvPr id="86" name="Straight Arrow Connector 85">
+            <a:extLst>
+              <a:ext uri="{FF2B5EF4-FFF2-40B4-BE49-F238E27FC236}">
+                <a16:creationId xmlns:a16="http://schemas.microsoft.com/office/drawing/2014/main" id="{B12F9558-77A0-9E5F-F488-579B388326D0}"/>
+              </a:ext>
+            </a:extLst>
+          </p:cNvPr>
+          <p:cNvCxnSpPr>
+            <a:cxnSpLocks/>
+            <a:stCxn id="34" idx="6"/>
+            <a:endCxn id="55" idx="2"/>
+          </p:cNvCxnSpPr>
+          <p:nvPr/>
+        </p:nvCxnSpPr>
+        <p:spPr>
+          <a:xfrm flipV="1">
+            <a:off x="4310738" y="1150624"/>
+            <a:ext cx="1709053" cy="2250491"/>
+          </a:xfrm>
+          <a:prstGeom prst="straightConnector1">
+            <a:avLst/>
+          </a:prstGeom>
+          <a:ln>
+            <a:headEnd type="triangle"/>
+            <a:tailEnd type="triangle"/>
+          </a:ln>
+        </p:spPr>
+        <p:style>
+          <a:lnRef idx="1">
+            <a:schemeClr val="accent1"/>
+          </a:lnRef>
+          <a:fillRef idx="0">
+            <a:schemeClr val="accent1"/>
+          </a:fillRef>
+          <a:effectRef idx="0">
+            <a:schemeClr val="accent1"/>
+          </a:effectRef>
+          <a:fontRef idx="minor">
+            <a:schemeClr val="tx1"/>
+          </a:fontRef>
+        </p:style>
+      </p:cxnSp>
+      <p:cxnSp>
+        <p:nvCxnSpPr>
+          <p:cNvPr id="89" name="Straight Arrow Connector 88">
+            <a:extLst>
+              <a:ext uri="{FF2B5EF4-FFF2-40B4-BE49-F238E27FC236}">
+                <a16:creationId xmlns:a16="http://schemas.microsoft.com/office/drawing/2014/main" id="{E1602DA3-9039-B7DC-1C4A-037A0C1C4587}"/>
+              </a:ext>
+            </a:extLst>
+          </p:cNvPr>
+          <p:cNvCxnSpPr>
+            <a:cxnSpLocks/>
+            <a:stCxn id="35" idx="6"/>
+            <a:endCxn id="55" idx="2"/>
+          </p:cNvCxnSpPr>
+          <p:nvPr/>
+        </p:nvCxnSpPr>
+        <p:spPr>
+          <a:xfrm flipV="1">
+            <a:off x="4310738" y="1150624"/>
+            <a:ext cx="1709053" cy="4616949"/>
+          </a:xfrm>
+          <a:prstGeom prst="straightConnector1">
+            <a:avLst/>
+          </a:prstGeom>
+          <a:ln>
+            <a:headEnd type="triangle"/>
+            <a:tailEnd type="triangle"/>
+          </a:ln>
+        </p:spPr>
+        <p:style>
+          <a:lnRef idx="1">
+            <a:schemeClr val="accent1"/>
+          </a:lnRef>
+          <a:fillRef idx="0">
+            <a:schemeClr val="accent1"/>
+          </a:fillRef>
+          <a:effectRef idx="0">
+            <a:schemeClr val="accent1"/>
+          </a:effectRef>
+          <a:fontRef idx="minor">
+            <a:schemeClr val="tx1"/>
+          </a:fontRef>
+        </p:style>
+      </p:cxnSp>
+      <p:cxnSp>
+        <p:nvCxnSpPr>
+          <p:cNvPr id="92" name="Straight Arrow Connector 91">
+            <a:extLst>
+              <a:ext uri="{FF2B5EF4-FFF2-40B4-BE49-F238E27FC236}">
+                <a16:creationId xmlns:a16="http://schemas.microsoft.com/office/drawing/2014/main" id="{94B24F4D-C42C-DC19-832B-23DE60B42218}"/>
+              </a:ext>
+            </a:extLst>
+          </p:cNvPr>
+          <p:cNvCxnSpPr>
+            <a:cxnSpLocks/>
+            <a:stCxn id="33" idx="6"/>
+            <a:endCxn id="59" idx="2"/>
+          </p:cNvCxnSpPr>
+          <p:nvPr/>
+        </p:nvCxnSpPr>
+        <p:spPr>
+          <a:xfrm>
+            <a:off x="4310738" y="2275869"/>
+            <a:ext cx="1709053" cy="0"/>
+          </a:xfrm>
+          <a:prstGeom prst="straightConnector1">
+            <a:avLst/>
+          </a:prstGeom>
+          <a:ln>
+            <a:headEnd type="triangle"/>
+            <a:tailEnd type="triangle"/>
+          </a:ln>
+        </p:spPr>
+        <p:style>
+          <a:lnRef idx="1">
+            <a:schemeClr val="accent1"/>
+          </a:lnRef>
+          <a:fillRef idx="0">
+            <a:schemeClr val="accent1"/>
+          </a:fillRef>
+          <a:effectRef idx="0">
+            <a:schemeClr val="accent1"/>
+          </a:effectRef>
+          <a:fontRef idx="minor">
+            <a:schemeClr val="tx1"/>
+          </a:fontRef>
+        </p:style>
+      </p:cxnSp>
+      <p:cxnSp>
+        <p:nvCxnSpPr>
+          <p:cNvPr id="95" name="Straight Arrow Connector 94">
+            <a:extLst>
+              <a:ext uri="{FF2B5EF4-FFF2-40B4-BE49-F238E27FC236}">
+                <a16:creationId xmlns:a16="http://schemas.microsoft.com/office/drawing/2014/main" id="{C2F5E03C-ADA8-A97B-056C-32F72CDE8A29}"/>
+              </a:ext>
+            </a:extLst>
+          </p:cNvPr>
+          <p:cNvCxnSpPr>
+            <a:cxnSpLocks/>
+            <a:stCxn id="33" idx="6"/>
+            <a:endCxn id="60" idx="2"/>
+          </p:cNvCxnSpPr>
+          <p:nvPr/>
+        </p:nvCxnSpPr>
+        <p:spPr>
+          <a:xfrm>
+            <a:off x="4310738" y="2275869"/>
+            <a:ext cx="1709053" cy="1125246"/>
+          </a:xfrm>
+          <a:prstGeom prst="straightConnector1">
+            <a:avLst/>
+          </a:prstGeom>
+          <a:ln>
+            <a:headEnd type="triangle"/>
+            <a:tailEnd type="triangle"/>
+          </a:ln>
+        </p:spPr>
+        <p:style>
+          <a:lnRef idx="1">
+            <a:schemeClr val="accent1"/>
+          </a:lnRef>
+          <a:fillRef idx="0">
+            <a:schemeClr val="accent1"/>
+          </a:fillRef>
+          <a:effectRef idx="0">
+            <a:schemeClr val="accent1"/>
+          </a:effectRef>
+          <a:fontRef idx="minor">
+            <a:schemeClr val="tx1"/>
+          </a:fontRef>
+        </p:style>
+      </p:cxnSp>
+      <p:cxnSp>
+        <p:nvCxnSpPr>
+          <p:cNvPr id="99" name="Straight Arrow Connector 98">
+            <a:extLst>
+              <a:ext uri="{FF2B5EF4-FFF2-40B4-BE49-F238E27FC236}">
+                <a16:creationId xmlns:a16="http://schemas.microsoft.com/office/drawing/2014/main" id="{F2E9E0B1-79D8-3695-C722-CAF8969C70E9}"/>
+              </a:ext>
+            </a:extLst>
+          </p:cNvPr>
+          <p:cNvCxnSpPr>
+            <a:cxnSpLocks/>
+            <a:stCxn id="33" idx="6"/>
+            <a:endCxn id="61" idx="2"/>
+          </p:cNvCxnSpPr>
+          <p:nvPr/>
+        </p:nvCxnSpPr>
+        <p:spPr>
+          <a:xfrm>
+            <a:off x="4310738" y="2275869"/>
+            <a:ext cx="1709052" cy="3192776"/>
+          </a:xfrm>
+          <a:prstGeom prst="straightConnector1">
+            <a:avLst/>
+          </a:prstGeom>
+          <a:ln>
+            <a:headEnd type="triangle"/>
+            <a:tailEnd type="triangle"/>
+          </a:ln>
+        </p:spPr>
+        <p:style>
+          <a:lnRef idx="1">
+            <a:schemeClr val="accent1"/>
+          </a:lnRef>
+          <a:fillRef idx="0">
+            <a:schemeClr val="accent1"/>
+          </a:fillRef>
+          <a:effectRef idx="0">
+            <a:schemeClr val="accent1"/>
+          </a:effectRef>
+          <a:fontRef idx="minor">
+            <a:schemeClr val="tx1"/>
+          </a:fontRef>
+        </p:style>
+      </p:cxnSp>
+      <p:cxnSp>
+        <p:nvCxnSpPr>
+          <p:cNvPr id="102" name="Straight Arrow Connector 101">
+            <a:extLst>
+              <a:ext uri="{FF2B5EF4-FFF2-40B4-BE49-F238E27FC236}">
+                <a16:creationId xmlns:a16="http://schemas.microsoft.com/office/drawing/2014/main" id="{ED9C0F71-2700-C31A-F42A-90114F2375F0}"/>
+              </a:ext>
+            </a:extLst>
+          </p:cNvPr>
+          <p:cNvCxnSpPr>
+            <a:cxnSpLocks/>
+            <a:stCxn id="34" idx="6"/>
+            <a:endCxn id="59" idx="2"/>
+          </p:cNvCxnSpPr>
+          <p:nvPr/>
+        </p:nvCxnSpPr>
+        <p:spPr>
+          <a:xfrm flipV="1">
+            <a:off x="4310738" y="2275869"/>
+            <a:ext cx="1709053" cy="1125246"/>
+          </a:xfrm>
+          <a:prstGeom prst="straightConnector1">
+            <a:avLst/>
+          </a:prstGeom>
+          <a:ln>
+            <a:headEnd type="triangle"/>
+            <a:tailEnd type="triangle"/>
+          </a:ln>
+        </p:spPr>
+        <p:style>
+          <a:lnRef idx="1">
+            <a:schemeClr val="accent1"/>
+          </a:lnRef>
+          <a:fillRef idx="0">
+            <a:schemeClr val="accent1"/>
+          </a:fillRef>
+          <a:effectRef idx="0">
+            <a:schemeClr val="accent1"/>
+          </a:effectRef>
+          <a:fontRef idx="minor">
+            <a:schemeClr val="tx1"/>
+          </a:fontRef>
+        </p:style>
+      </p:cxnSp>
+      <p:cxnSp>
+        <p:nvCxnSpPr>
+          <p:cNvPr id="106" name="Straight Arrow Connector 105">
+            <a:extLst>
+              <a:ext uri="{FF2B5EF4-FFF2-40B4-BE49-F238E27FC236}">
+                <a16:creationId xmlns:a16="http://schemas.microsoft.com/office/drawing/2014/main" id="{F09BA9B1-62B4-CFD9-6C6C-45B291F49322}"/>
+              </a:ext>
+            </a:extLst>
+          </p:cNvPr>
+          <p:cNvCxnSpPr>
+            <a:cxnSpLocks/>
+            <a:stCxn id="34" idx="6"/>
+            <a:endCxn id="60" idx="2"/>
+          </p:cNvCxnSpPr>
+          <p:nvPr/>
+        </p:nvCxnSpPr>
+        <p:spPr>
+          <a:xfrm>
+            <a:off x="4310738" y="3401115"/>
+            <a:ext cx="1709053" cy="0"/>
+          </a:xfrm>
+          <a:prstGeom prst="straightConnector1">
+            <a:avLst/>
+          </a:prstGeom>
+          <a:ln>
+            <a:headEnd type="triangle"/>
+            <a:tailEnd type="triangle"/>
+          </a:ln>
+        </p:spPr>
+        <p:style>
+          <a:lnRef idx="1">
+            <a:schemeClr val="accent1"/>
+          </a:lnRef>
+          <a:fillRef idx="0">
+            <a:schemeClr val="accent1"/>
+          </a:fillRef>
+          <a:effectRef idx="0">
+            <a:schemeClr val="accent1"/>
+          </a:effectRef>
+          <a:fontRef idx="minor">
+            <a:schemeClr val="tx1"/>
+          </a:fontRef>
+        </p:style>
+      </p:cxnSp>
+      <p:cxnSp>
+        <p:nvCxnSpPr>
+          <p:cNvPr id="109" name="Straight Arrow Connector 108">
+            <a:extLst>
+              <a:ext uri="{FF2B5EF4-FFF2-40B4-BE49-F238E27FC236}">
+                <a16:creationId xmlns:a16="http://schemas.microsoft.com/office/drawing/2014/main" id="{4140DB80-B4A6-353B-2E21-B007316BC939}"/>
+              </a:ext>
+            </a:extLst>
+          </p:cNvPr>
+          <p:cNvCxnSpPr>
+            <a:cxnSpLocks/>
+            <a:stCxn id="34" idx="6"/>
+            <a:endCxn id="61" idx="2"/>
+          </p:cNvCxnSpPr>
+          <p:nvPr/>
+        </p:nvCxnSpPr>
+        <p:spPr>
+          <a:xfrm>
+            <a:off x="4310738" y="3401115"/>
+            <a:ext cx="1709052" cy="2067530"/>
+          </a:xfrm>
+          <a:prstGeom prst="straightConnector1">
+            <a:avLst/>
+          </a:prstGeom>
+          <a:ln>
+            <a:headEnd type="triangle"/>
+            <a:tailEnd type="triangle"/>
+          </a:ln>
+        </p:spPr>
+        <p:style>
+          <a:lnRef idx="1">
+            <a:schemeClr val="accent1"/>
+          </a:lnRef>
+          <a:fillRef idx="0">
+            <a:schemeClr val="accent1"/>
+          </a:fillRef>
+          <a:effectRef idx="0">
+            <a:schemeClr val="accent1"/>
+          </a:effectRef>
+          <a:fontRef idx="minor">
+            <a:schemeClr val="tx1"/>
+          </a:fontRef>
+        </p:style>
+      </p:cxnSp>
+      <p:cxnSp>
+        <p:nvCxnSpPr>
+          <p:cNvPr id="112" name="Straight Arrow Connector 111">
+            <a:extLst>
+              <a:ext uri="{FF2B5EF4-FFF2-40B4-BE49-F238E27FC236}">
+                <a16:creationId xmlns:a16="http://schemas.microsoft.com/office/drawing/2014/main" id="{6DC5B583-C606-3709-487F-FE98CDDA484D}"/>
+              </a:ext>
+            </a:extLst>
+          </p:cNvPr>
+          <p:cNvCxnSpPr>
+            <a:cxnSpLocks/>
+            <a:stCxn id="35" idx="6"/>
+            <a:endCxn id="59" idx="2"/>
+          </p:cNvCxnSpPr>
+          <p:nvPr/>
+        </p:nvCxnSpPr>
+        <p:spPr>
+          <a:xfrm flipV="1">
+            <a:off x="4310738" y="2275869"/>
+            <a:ext cx="1709053" cy="3491704"/>
+          </a:xfrm>
+          <a:prstGeom prst="straightConnector1">
+            <a:avLst/>
+          </a:prstGeom>
+          <a:ln>
+            <a:headEnd type="triangle"/>
+            <a:tailEnd type="triangle"/>
+          </a:ln>
+        </p:spPr>
+        <p:style>
+          <a:lnRef idx="1">
+            <a:schemeClr val="accent1"/>
+          </a:lnRef>
+          <a:fillRef idx="0">
+            <a:schemeClr val="accent1"/>
+          </a:fillRef>
+          <a:effectRef idx="0">
+            <a:schemeClr val="accent1"/>
+          </a:effectRef>
+          <a:fontRef idx="minor">
+            <a:schemeClr val="tx1"/>
+          </a:fontRef>
+        </p:style>
+      </p:cxnSp>
+      <p:cxnSp>
+        <p:nvCxnSpPr>
+          <p:cNvPr id="115" name="Straight Arrow Connector 114">
+            <a:extLst>
+              <a:ext uri="{FF2B5EF4-FFF2-40B4-BE49-F238E27FC236}">
+                <a16:creationId xmlns:a16="http://schemas.microsoft.com/office/drawing/2014/main" id="{12E6D838-8B34-2CD1-FCA8-CD9AD6591392}"/>
+              </a:ext>
+            </a:extLst>
+          </p:cNvPr>
+          <p:cNvCxnSpPr>
+            <a:cxnSpLocks/>
+            <a:stCxn id="35" idx="6"/>
+            <a:endCxn id="60" idx="2"/>
+          </p:cNvCxnSpPr>
+          <p:nvPr/>
+        </p:nvCxnSpPr>
+        <p:spPr>
+          <a:xfrm flipV="1">
+            <a:off x="4310738" y="3401115"/>
+            <a:ext cx="1709053" cy="2366458"/>
+          </a:xfrm>
+          <a:prstGeom prst="straightConnector1">
+            <a:avLst/>
+          </a:prstGeom>
+          <a:ln>
+            <a:headEnd type="triangle"/>
+            <a:tailEnd type="triangle"/>
+          </a:ln>
+        </p:spPr>
+        <p:style>
+          <a:lnRef idx="1">
+            <a:schemeClr val="accent1"/>
+          </a:lnRef>
+          <a:fillRef idx="0">
+            <a:schemeClr val="accent1"/>
+          </a:fillRef>
+          <a:effectRef idx="0">
+            <a:schemeClr val="accent1"/>
+          </a:effectRef>
+          <a:fontRef idx="minor">
+            <a:schemeClr val="tx1"/>
+          </a:fontRef>
+        </p:style>
+      </p:cxnSp>
+      <p:cxnSp>
+        <p:nvCxnSpPr>
+          <p:cNvPr id="120" name="Straight Arrow Connector 119">
+            <a:extLst>
+              <a:ext uri="{FF2B5EF4-FFF2-40B4-BE49-F238E27FC236}">
+                <a16:creationId xmlns:a16="http://schemas.microsoft.com/office/drawing/2014/main" id="{3495D1CA-F1C2-9C04-1DC0-8E6F4CBD9D73}"/>
+              </a:ext>
+            </a:extLst>
+          </p:cNvPr>
+          <p:cNvCxnSpPr>
+            <a:cxnSpLocks/>
+            <a:stCxn id="5" idx="3"/>
+            <a:endCxn id="6" idx="2"/>
+          </p:cNvCxnSpPr>
+          <p:nvPr/>
+        </p:nvCxnSpPr>
+        <p:spPr>
+          <a:xfrm flipV="1">
+            <a:off x="1505797" y="1127496"/>
+            <a:ext cx="1540324" cy="1989699"/>
+          </a:xfrm>
+          <a:prstGeom prst="straightConnector1">
+            <a:avLst/>
+          </a:prstGeom>
+          <a:ln>
+            <a:headEnd type="triangle"/>
+            <a:tailEnd type="triangle"/>
+          </a:ln>
+        </p:spPr>
+        <p:style>
+          <a:lnRef idx="1">
+            <a:schemeClr val="accent1"/>
+          </a:lnRef>
+          <a:fillRef idx="0">
+            <a:schemeClr val="accent1"/>
+          </a:fillRef>
+          <a:effectRef idx="0">
+            <a:schemeClr val="accent1"/>
+          </a:effectRef>
+          <a:fontRef idx="minor">
+            <a:schemeClr val="tx1"/>
+          </a:fontRef>
+        </p:style>
+      </p:cxnSp>
+      <p:cxnSp>
+        <p:nvCxnSpPr>
+          <p:cNvPr id="121" name="Straight Arrow Connector 120">
+            <a:extLst>
+              <a:ext uri="{FF2B5EF4-FFF2-40B4-BE49-F238E27FC236}">
+                <a16:creationId xmlns:a16="http://schemas.microsoft.com/office/drawing/2014/main" id="{81450BFD-C8AC-3DF1-3C5B-059F9772C8FB}"/>
+              </a:ext>
+            </a:extLst>
+          </p:cNvPr>
+          <p:cNvCxnSpPr>
+            <a:cxnSpLocks/>
+            <a:stCxn id="5" idx="3"/>
+            <a:endCxn id="33" idx="2"/>
+          </p:cNvCxnSpPr>
+          <p:nvPr/>
+        </p:nvCxnSpPr>
+        <p:spPr>
+          <a:xfrm flipV="1">
+            <a:off x="1505797" y="2275869"/>
+            <a:ext cx="1444223" cy="841326"/>
+          </a:xfrm>
+          <a:prstGeom prst="straightConnector1">
+            <a:avLst/>
+          </a:prstGeom>
+          <a:ln>
+            <a:headEnd type="triangle"/>
+            <a:tailEnd type="triangle"/>
+          </a:ln>
+        </p:spPr>
+        <p:style>
+          <a:lnRef idx="1">
+            <a:schemeClr val="accent1"/>
+          </a:lnRef>
+          <a:fillRef idx="0">
+            <a:schemeClr val="accent1"/>
+          </a:fillRef>
+          <a:effectRef idx="0">
+            <a:schemeClr val="accent1"/>
+          </a:effectRef>
+          <a:fontRef idx="minor">
+            <a:schemeClr val="tx1"/>
+          </a:fontRef>
+        </p:style>
+      </p:cxnSp>
+      <p:cxnSp>
+        <p:nvCxnSpPr>
+          <p:cNvPr id="125" name="Straight Arrow Connector 124">
+            <a:extLst>
+              <a:ext uri="{FF2B5EF4-FFF2-40B4-BE49-F238E27FC236}">
+                <a16:creationId xmlns:a16="http://schemas.microsoft.com/office/drawing/2014/main" id="{ED81C6BD-0418-CCAF-8FEA-B15FE9193D58}"/>
+              </a:ext>
+            </a:extLst>
+          </p:cNvPr>
+          <p:cNvCxnSpPr>
+            <a:cxnSpLocks/>
+            <a:stCxn id="5" idx="3"/>
+            <a:endCxn id="34" idx="2"/>
+          </p:cNvCxnSpPr>
+          <p:nvPr/>
+        </p:nvCxnSpPr>
+        <p:spPr>
+          <a:xfrm>
+            <a:off x="1505797" y="3117195"/>
+            <a:ext cx="1444223" cy="283920"/>
+          </a:xfrm>
+          <a:prstGeom prst="straightConnector1">
+            <a:avLst/>
+          </a:prstGeom>
+          <a:ln>
+            <a:headEnd type="triangle"/>
+            <a:tailEnd type="triangle"/>
+          </a:ln>
+        </p:spPr>
+        <p:style>
+          <a:lnRef idx="1">
+            <a:schemeClr val="accent1"/>
+          </a:lnRef>
+          <a:fillRef idx="0">
+            <a:schemeClr val="accent1"/>
+          </a:fillRef>
+          <a:effectRef idx="0">
+            <a:schemeClr val="accent1"/>
+          </a:effectRef>
+          <a:fontRef idx="minor">
+            <a:schemeClr val="tx1"/>
+          </a:fontRef>
+        </p:style>
+      </p:cxnSp>
+      <p:cxnSp>
+        <p:nvCxnSpPr>
+          <p:cNvPr id="128" name="Straight Arrow Connector 127">
+            <a:extLst>
+              <a:ext uri="{FF2B5EF4-FFF2-40B4-BE49-F238E27FC236}">
+                <a16:creationId xmlns:a16="http://schemas.microsoft.com/office/drawing/2014/main" id="{1541ADCD-28FB-C999-D363-B03C70B99BEF}"/>
+              </a:ext>
+            </a:extLst>
+          </p:cNvPr>
+          <p:cNvCxnSpPr>
+            <a:cxnSpLocks/>
+            <a:stCxn id="5" idx="3"/>
+            <a:endCxn id="35" idx="2"/>
+          </p:cNvCxnSpPr>
+          <p:nvPr/>
+        </p:nvCxnSpPr>
+        <p:spPr>
+          <a:xfrm>
+            <a:off x="1505797" y="3117195"/>
+            <a:ext cx="1444223" cy="2650378"/>
+          </a:xfrm>
+          <a:prstGeom prst="straightConnector1">
+            <a:avLst/>
+          </a:prstGeom>
+          <a:ln>
+            <a:headEnd type="triangle"/>
+            <a:tailEnd type="triangle"/>
+          </a:ln>
+        </p:spPr>
+        <p:style>
+          <a:lnRef idx="1">
+            <a:schemeClr val="accent1"/>
+          </a:lnRef>
+          <a:fillRef idx="0">
+            <a:schemeClr val="accent1"/>
+          </a:fillRef>
+          <a:effectRef idx="0">
+            <a:schemeClr val="accent1"/>
+          </a:effectRef>
+          <a:fontRef idx="minor">
+            <a:schemeClr val="tx1"/>
+          </a:fontRef>
+        </p:style>
+      </p:cxnSp>
+      <p:sp>
+        <p:nvSpPr>
+          <p:cNvPr id="144" name="TextBox 143">
+            <a:extLst>
+              <a:ext uri="{FF2B5EF4-FFF2-40B4-BE49-F238E27FC236}">
+                <a16:creationId xmlns:a16="http://schemas.microsoft.com/office/drawing/2014/main" id="{48928350-4811-B355-333F-670B02B84B27}"/>
+              </a:ext>
+            </a:extLst>
+          </p:cNvPr>
+          <p:cNvSpPr txBox="1"/>
+          <p:nvPr/>
+        </p:nvSpPr>
+        <p:spPr>
+          <a:xfrm>
+            <a:off x="2721429" y="881743"/>
+            <a:ext cx="324691" cy="369332"/>
+          </a:xfrm>
+          <a:prstGeom prst="rect">
+            <a:avLst/>
+          </a:prstGeom>
+          <a:noFill/>
+        </p:spPr>
+        <p:txBody>
+          <a:bodyPr wrap="square" rtlCol="0">
+            <a:spAutoFit/>
+          </a:bodyPr>
+          <a:lstStyle/>
+          <a:p>
+            <a:r>
+              <a:rPr lang="en-US" dirty="0"/>
+              <a:t>1</a:t>
+            </a:r>
+            <a:endParaRPr lang="en-IN" dirty="0"/>
+          </a:p>
+        </p:txBody>
+      </p:sp>
+      <p:sp>
+        <p:nvSpPr>
+          <p:cNvPr id="145" name="TextBox 144">
+            <a:extLst>
+              <a:ext uri="{FF2B5EF4-FFF2-40B4-BE49-F238E27FC236}">
+                <a16:creationId xmlns:a16="http://schemas.microsoft.com/office/drawing/2014/main" id="{000548E5-087C-96E3-F6EB-0B407A5B1B9F}"/>
+              </a:ext>
+            </a:extLst>
+          </p:cNvPr>
+          <p:cNvSpPr txBox="1"/>
+          <p:nvPr/>
+        </p:nvSpPr>
+        <p:spPr>
+          <a:xfrm>
+            <a:off x="2711482" y="1943762"/>
+            <a:ext cx="324691" cy="369332"/>
+          </a:xfrm>
+          <a:prstGeom prst="rect">
+            <a:avLst/>
+          </a:prstGeom>
+          <a:noFill/>
+        </p:spPr>
+        <p:txBody>
+          <a:bodyPr wrap="square" rtlCol="0">
+            <a:spAutoFit/>
+          </a:bodyPr>
+          <a:lstStyle/>
+          <a:p>
+            <a:r>
+              <a:rPr lang="en-US" dirty="0"/>
+              <a:t>2</a:t>
+            </a:r>
+            <a:endParaRPr lang="en-IN" dirty="0"/>
+          </a:p>
+        </p:txBody>
+      </p:sp>
+      <p:sp>
+        <p:nvSpPr>
+          <p:cNvPr id="147" name="TextBox 146">
+            <a:extLst>
+              <a:ext uri="{FF2B5EF4-FFF2-40B4-BE49-F238E27FC236}">
+                <a16:creationId xmlns:a16="http://schemas.microsoft.com/office/drawing/2014/main" id="{DD440985-ED89-71C7-E0EA-4D9D4EF8DF03}"/>
+              </a:ext>
+            </a:extLst>
+          </p:cNvPr>
+          <p:cNvSpPr txBox="1"/>
+          <p:nvPr/>
+        </p:nvSpPr>
+        <p:spPr>
+          <a:xfrm>
+            <a:off x="2394855" y="5657289"/>
+            <a:ext cx="691315" cy="369332"/>
+          </a:xfrm>
+          <a:prstGeom prst="rect">
+            <a:avLst/>
+          </a:prstGeom>
+          <a:noFill/>
+        </p:spPr>
+        <p:txBody>
+          <a:bodyPr wrap="square" rtlCol="0">
+            <a:spAutoFit/>
+          </a:bodyPr>
+          <a:lstStyle/>
+          <a:p>
+            <a:r>
+              <a:rPr lang="en-US" dirty="0"/>
+              <a:t>1024</a:t>
+            </a:r>
+            <a:endParaRPr lang="en-IN" dirty="0"/>
+          </a:p>
+        </p:txBody>
+      </p:sp>
+      <p:sp>
+        <p:nvSpPr>
+          <p:cNvPr id="148" name="TextBox 147">
+            <a:extLst>
+              <a:ext uri="{FF2B5EF4-FFF2-40B4-BE49-F238E27FC236}">
+                <a16:creationId xmlns:a16="http://schemas.microsoft.com/office/drawing/2014/main" id="{27AFFFCE-82F5-4ABB-67C4-6FB894923AB9}"/>
+              </a:ext>
+            </a:extLst>
+          </p:cNvPr>
+          <p:cNvSpPr txBox="1"/>
+          <p:nvPr/>
+        </p:nvSpPr>
+        <p:spPr>
+          <a:xfrm>
+            <a:off x="5738549" y="852608"/>
+            <a:ext cx="324691" cy="369332"/>
+          </a:xfrm>
+          <a:prstGeom prst="rect">
+            <a:avLst/>
+          </a:prstGeom>
+          <a:noFill/>
+        </p:spPr>
+        <p:txBody>
+          <a:bodyPr wrap="square" rtlCol="0">
+            <a:spAutoFit/>
+          </a:bodyPr>
+          <a:lstStyle/>
+          <a:p>
+            <a:r>
+              <a:rPr lang="en-US" dirty="0"/>
+              <a:t>1</a:t>
+            </a:r>
+            <a:endParaRPr lang="en-IN" dirty="0"/>
+          </a:p>
+        </p:txBody>
+      </p:sp>
+      <p:sp>
+        <p:nvSpPr>
+          <p:cNvPr id="149" name="TextBox 148">
+            <a:extLst>
+              <a:ext uri="{FF2B5EF4-FFF2-40B4-BE49-F238E27FC236}">
+                <a16:creationId xmlns:a16="http://schemas.microsoft.com/office/drawing/2014/main" id="{997CB306-F05D-9EFA-0A37-78C9603E71AC}"/>
+              </a:ext>
+            </a:extLst>
+          </p:cNvPr>
+          <p:cNvSpPr txBox="1"/>
+          <p:nvPr/>
+        </p:nvSpPr>
+        <p:spPr>
+          <a:xfrm>
+            <a:off x="5728602" y="1914627"/>
+            <a:ext cx="324691" cy="369332"/>
+          </a:xfrm>
+          <a:prstGeom prst="rect">
+            <a:avLst/>
+          </a:prstGeom>
+          <a:noFill/>
+        </p:spPr>
+        <p:txBody>
+          <a:bodyPr wrap="square" rtlCol="0">
+            <a:spAutoFit/>
+          </a:bodyPr>
+          <a:lstStyle/>
+          <a:p>
+            <a:r>
+              <a:rPr lang="en-US" dirty="0"/>
+              <a:t>2</a:t>
+            </a:r>
+            <a:endParaRPr lang="en-IN" dirty="0"/>
+          </a:p>
+        </p:txBody>
+      </p:sp>
+      <p:sp>
+        <p:nvSpPr>
+          <p:cNvPr id="151" name="TextBox 150">
+            <a:extLst>
+              <a:ext uri="{FF2B5EF4-FFF2-40B4-BE49-F238E27FC236}">
+                <a16:creationId xmlns:a16="http://schemas.microsoft.com/office/drawing/2014/main" id="{89F8CC4F-E4C1-9165-FFA0-4AB1D5BD5095}"/>
+              </a:ext>
+            </a:extLst>
+          </p:cNvPr>
+          <p:cNvSpPr txBox="1"/>
+          <p:nvPr/>
+        </p:nvSpPr>
+        <p:spPr>
+          <a:xfrm>
+            <a:off x="5556492" y="5404713"/>
+            <a:ext cx="599372" cy="369332"/>
+          </a:xfrm>
+          <a:prstGeom prst="rect">
+            <a:avLst/>
+          </a:prstGeom>
+          <a:noFill/>
+        </p:spPr>
+        <p:txBody>
+          <a:bodyPr wrap="square" rtlCol="0">
+            <a:spAutoFit/>
+          </a:bodyPr>
+          <a:lstStyle/>
+          <a:p>
+            <a:r>
+              <a:rPr lang="en-US" dirty="0"/>
+              <a:t>512</a:t>
+            </a:r>
+            <a:endParaRPr lang="en-IN" dirty="0"/>
+          </a:p>
+        </p:txBody>
+      </p:sp>
+      <p:graphicFrame>
+        <p:nvGraphicFramePr>
+          <p:cNvPr id="158" name="Table 5">
+            <a:extLst>
+              <a:ext uri="{FF2B5EF4-FFF2-40B4-BE49-F238E27FC236}">
+                <a16:creationId xmlns:a16="http://schemas.microsoft.com/office/drawing/2014/main" id="{1BC9CDFD-D9B9-A202-2663-C85AA0D95CE0}"/>
+              </a:ext>
+            </a:extLst>
+          </p:cNvPr>
+          <p:cNvGraphicFramePr>
+            <a:graphicFrameLocks noGrp="1"/>
+          </p:cNvGraphicFramePr>
+          <p:nvPr>
+            <p:extLst>
+              <p:ext uri="{D42A27DB-BD31-4B8C-83A1-F6EECF244321}">
+                <p14:modId xmlns:p14="http://schemas.microsoft.com/office/powerpoint/2010/main" val="1337738893"/>
+              </p:ext>
+            </p:extLst>
+          </p:nvPr>
+        </p:nvGraphicFramePr>
+        <p:xfrm>
+          <a:off x="1140557" y="1962793"/>
+          <a:ext cx="517640" cy="2613605"/>
+        </p:xfrm>
+        <a:graphic>
+          <a:graphicData uri="http://schemas.openxmlformats.org/drawingml/2006/table">
+            <a:tbl>
+              <a:tblPr firstRow="1" bandRow="1">
+                <a:tableStyleId>{5C22544A-7EE6-4342-B048-85BDC9FD1C3A}</a:tableStyleId>
+              </a:tblPr>
+              <a:tblGrid>
+                <a:gridCol w="517640">
+                  <a:extLst>
+                    <a:ext uri="{9D8B030D-6E8A-4147-A177-3AD203B41FA5}">
+                      <a16:colId xmlns:a16="http://schemas.microsoft.com/office/drawing/2014/main" val="4268113694"/>
+                    </a:ext>
+                  </a:extLst>
+                </a:gridCol>
+              </a:tblGrid>
+              <a:tr h="522721">
+                <a:tc>
+                  <a:txBody>
+                    <a:bodyPr/>
+                    <a:lstStyle/>
+                    <a:p>
+                      <a:pPr algn="ctr"/>
+                      <a:r>
+                        <a:rPr lang="en-US" sz="1100" dirty="0"/>
+                        <a:t>1</a:t>
+                      </a:r>
+                      <a:endParaRPr lang="en-IN" sz="1100" dirty="0"/>
+                    </a:p>
+                  </a:txBody>
+                  <a:tcPr/>
+                </a:tc>
+                <a:extLst>
+                  <a:ext uri="{0D108BD9-81ED-4DB2-BD59-A6C34878D82A}">
+                    <a16:rowId xmlns:a16="http://schemas.microsoft.com/office/drawing/2014/main" val="1687262628"/>
+                  </a:ext>
+                </a:extLst>
+              </a:tr>
+              <a:tr h="522721">
+                <a:tc>
+                  <a:txBody>
+                    <a:bodyPr/>
+                    <a:lstStyle/>
+                    <a:p>
+                      <a:pPr algn="ctr"/>
+                      <a:r>
+                        <a:rPr lang="en-US" sz="1100" dirty="0"/>
+                        <a:t>2</a:t>
+                      </a:r>
+                      <a:endParaRPr lang="en-IN" sz="1100" dirty="0"/>
+                    </a:p>
+                  </a:txBody>
+                  <a:tcPr/>
+                </a:tc>
+                <a:extLst>
+                  <a:ext uri="{0D108BD9-81ED-4DB2-BD59-A6C34878D82A}">
+                    <a16:rowId xmlns:a16="http://schemas.microsoft.com/office/drawing/2014/main" val="3896025417"/>
+                  </a:ext>
+                </a:extLst>
+              </a:tr>
+              <a:tr h="522721">
+                <a:tc>
+                  <a:txBody>
+                    <a:bodyPr/>
+                    <a:lstStyle/>
+                    <a:p>
+                      <a:pPr algn="ctr"/>
+                      <a:r>
+                        <a:rPr lang="en-US" sz="1100" dirty="0"/>
+                        <a:t>-</a:t>
+                      </a:r>
+                      <a:endParaRPr lang="en-IN" sz="1100" dirty="0"/>
+                    </a:p>
+                  </a:txBody>
+                  <a:tcPr/>
+                </a:tc>
+                <a:extLst>
+                  <a:ext uri="{0D108BD9-81ED-4DB2-BD59-A6C34878D82A}">
+                    <a16:rowId xmlns:a16="http://schemas.microsoft.com/office/drawing/2014/main" val="62805346"/>
+                  </a:ext>
+                </a:extLst>
+              </a:tr>
+              <a:tr h="522721">
+                <a:tc>
+                  <a:txBody>
+                    <a:bodyPr/>
+                    <a:lstStyle/>
+                    <a:p>
+                      <a:pPr algn="ctr"/>
+                      <a:r>
+                        <a:rPr lang="en-US" sz="1100" dirty="0"/>
+                        <a:t>-</a:t>
+                      </a:r>
+                      <a:endParaRPr lang="en-IN" sz="1100" dirty="0"/>
+                    </a:p>
+                  </a:txBody>
+                  <a:tcPr/>
+                </a:tc>
+                <a:extLst>
+                  <a:ext uri="{0D108BD9-81ED-4DB2-BD59-A6C34878D82A}">
+                    <a16:rowId xmlns:a16="http://schemas.microsoft.com/office/drawing/2014/main" val="1074607903"/>
+                  </a:ext>
+                </a:extLst>
+              </a:tr>
+              <a:tr h="522721">
+                <a:tc>
+                  <a:txBody>
+                    <a:bodyPr/>
+                    <a:lstStyle/>
+                    <a:p>
+                      <a:pPr algn="ctr"/>
+                      <a:r>
+                        <a:rPr lang="en-US" sz="1100" dirty="0"/>
+                        <a:t>512</a:t>
+                      </a:r>
+                      <a:endParaRPr lang="en-IN" sz="1100" dirty="0"/>
+                    </a:p>
+                  </a:txBody>
+                  <a:tcPr/>
+                </a:tc>
+                <a:extLst>
+                  <a:ext uri="{0D108BD9-81ED-4DB2-BD59-A6C34878D82A}">
+                    <a16:rowId xmlns:a16="http://schemas.microsoft.com/office/drawing/2014/main" val="1657945302"/>
+                  </a:ext>
+                </a:extLst>
+              </a:tr>
+            </a:tbl>
+          </a:graphicData>
+        </a:graphic>
+      </p:graphicFrame>
+      <p:graphicFrame>
+        <p:nvGraphicFramePr>
+          <p:cNvPr id="159" name="Table 5">
+            <a:extLst>
+              <a:ext uri="{FF2B5EF4-FFF2-40B4-BE49-F238E27FC236}">
+                <a16:creationId xmlns:a16="http://schemas.microsoft.com/office/drawing/2014/main" id="{92AE2D80-86C9-90B6-4465-0F4DD118D929}"/>
+              </a:ext>
+            </a:extLst>
+          </p:cNvPr>
+          <p:cNvGraphicFramePr>
+            <a:graphicFrameLocks noGrp="1"/>
+          </p:cNvGraphicFramePr>
+          <p:nvPr>
+            <p:extLst>
+              <p:ext uri="{D42A27DB-BD31-4B8C-83A1-F6EECF244321}">
+                <p14:modId xmlns:p14="http://schemas.microsoft.com/office/powerpoint/2010/main" val="1337738893"/>
+              </p:ext>
+            </p:extLst>
+          </p:nvPr>
+        </p:nvGraphicFramePr>
+        <p:xfrm>
+          <a:off x="1292957" y="2115193"/>
+          <a:ext cx="517640" cy="2613605"/>
+        </p:xfrm>
+        <a:graphic>
+          <a:graphicData uri="http://schemas.openxmlformats.org/drawingml/2006/table">
+            <a:tbl>
+              <a:tblPr firstRow="1" bandRow="1">
+                <a:tableStyleId>{5C22544A-7EE6-4342-B048-85BDC9FD1C3A}</a:tableStyleId>
+              </a:tblPr>
+              <a:tblGrid>
+                <a:gridCol w="517640">
+                  <a:extLst>
+                    <a:ext uri="{9D8B030D-6E8A-4147-A177-3AD203B41FA5}">
+                      <a16:colId xmlns:a16="http://schemas.microsoft.com/office/drawing/2014/main" val="4268113694"/>
+                    </a:ext>
+                  </a:extLst>
+                </a:gridCol>
+              </a:tblGrid>
+              <a:tr h="522721">
+                <a:tc>
+                  <a:txBody>
+                    <a:bodyPr/>
+                    <a:lstStyle/>
+                    <a:p>
+                      <a:pPr algn="ctr"/>
+                      <a:r>
+                        <a:rPr lang="en-US" sz="1100" dirty="0"/>
+                        <a:t>1</a:t>
+                      </a:r>
+                      <a:endParaRPr lang="en-IN" sz="1100" dirty="0"/>
+                    </a:p>
+                  </a:txBody>
+                  <a:tcPr/>
+                </a:tc>
+                <a:extLst>
+                  <a:ext uri="{0D108BD9-81ED-4DB2-BD59-A6C34878D82A}">
+                    <a16:rowId xmlns:a16="http://schemas.microsoft.com/office/drawing/2014/main" val="1687262628"/>
+                  </a:ext>
+                </a:extLst>
+              </a:tr>
+              <a:tr h="522721">
+                <a:tc>
+                  <a:txBody>
+                    <a:bodyPr/>
+                    <a:lstStyle/>
+                    <a:p>
+                      <a:pPr algn="ctr"/>
+                      <a:r>
+                        <a:rPr lang="en-US" sz="1100" dirty="0"/>
+                        <a:t>2</a:t>
+                      </a:r>
+                      <a:endParaRPr lang="en-IN" sz="1100" dirty="0"/>
+                    </a:p>
+                  </a:txBody>
+                  <a:tcPr/>
+                </a:tc>
+                <a:extLst>
+                  <a:ext uri="{0D108BD9-81ED-4DB2-BD59-A6C34878D82A}">
+                    <a16:rowId xmlns:a16="http://schemas.microsoft.com/office/drawing/2014/main" val="3896025417"/>
+                  </a:ext>
+                </a:extLst>
+              </a:tr>
+              <a:tr h="522721">
+                <a:tc>
+                  <a:txBody>
+                    <a:bodyPr/>
+                    <a:lstStyle/>
+                    <a:p>
+                      <a:pPr algn="ctr"/>
+                      <a:r>
+                        <a:rPr lang="en-US" sz="1100" dirty="0"/>
+                        <a:t>-</a:t>
+                      </a:r>
+                      <a:endParaRPr lang="en-IN" sz="1100" dirty="0"/>
+                    </a:p>
+                  </a:txBody>
+                  <a:tcPr/>
+                </a:tc>
+                <a:extLst>
+                  <a:ext uri="{0D108BD9-81ED-4DB2-BD59-A6C34878D82A}">
+                    <a16:rowId xmlns:a16="http://schemas.microsoft.com/office/drawing/2014/main" val="62805346"/>
+                  </a:ext>
+                </a:extLst>
+              </a:tr>
+              <a:tr h="522721">
+                <a:tc>
+                  <a:txBody>
+                    <a:bodyPr/>
+                    <a:lstStyle/>
+                    <a:p>
+                      <a:pPr algn="ctr"/>
+                      <a:r>
+                        <a:rPr lang="en-US" sz="1100" dirty="0"/>
+                        <a:t>-</a:t>
+                      </a:r>
+                      <a:endParaRPr lang="en-IN" sz="1100" dirty="0"/>
+                    </a:p>
+                  </a:txBody>
+                  <a:tcPr/>
+                </a:tc>
+                <a:extLst>
+                  <a:ext uri="{0D108BD9-81ED-4DB2-BD59-A6C34878D82A}">
+                    <a16:rowId xmlns:a16="http://schemas.microsoft.com/office/drawing/2014/main" val="1074607903"/>
+                  </a:ext>
+                </a:extLst>
+              </a:tr>
+              <a:tr h="522721">
+                <a:tc>
+                  <a:txBody>
+                    <a:bodyPr/>
+                    <a:lstStyle/>
+                    <a:p>
+                      <a:pPr algn="ctr"/>
+                      <a:r>
+                        <a:rPr lang="en-US" sz="1100" dirty="0"/>
+                        <a:t>512</a:t>
+                      </a:r>
+                      <a:endParaRPr lang="en-IN" sz="1100" dirty="0"/>
+                    </a:p>
+                  </a:txBody>
+                  <a:tcPr/>
+                </a:tc>
+                <a:extLst>
+                  <a:ext uri="{0D108BD9-81ED-4DB2-BD59-A6C34878D82A}">
+                    <a16:rowId xmlns:a16="http://schemas.microsoft.com/office/drawing/2014/main" val="1657945302"/>
+                  </a:ext>
+                </a:extLst>
+              </a:tr>
+            </a:tbl>
+          </a:graphicData>
+        </a:graphic>
+      </p:graphicFrame>
+      <p:graphicFrame>
+        <p:nvGraphicFramePr>
+          <p:cNvPr id="160" name="Table 5">
+            <a:extLst>
+              <a:ext uri="{FF2B5EF4-FFF2-40B4-BE49-F238E27FC236}">
+                <a16:creationId xmlns:a16="http://schemas.microsoft.com/office/drawing/2014/main" id="{F1078411-6DE9-7D71-B750-FEB9F9F2FCFE}"/>
+              </a:ext>
+            </a:extLst>
+          </p:cNvPr>
+          <p:cNvGraphicFramePr>
+            <a:graphicFrameLocks noGrp="1"/>
+          </p:cNvGraphicFramePr>
+          <p:nvPr>
+            <p:extLst>
+              <p:ext uri="{D42A27DB-BD31-4B8C-83A1-F6EECF244321}">
+                <p14:modId xmlns:p14="http://schemas.microsoft.com/office/powerpoint/2010/main" val="1119367079"/>
+              </p:ext>
+            </p:extLst>
+          </p:nvPr>
+        </p:nvGraphicFramePr>
+        <p:xfrm>
+          <a:off x="1445357" y="2267593"/>
+          <a:ext cx="517640" cy="2613605"/>
+        </p:xfrm>
+        <a:graphic>
+          <a:graphicData uri="http://schemas.openxmlformats.org/drawingml/2006/table">
+            <a:tbl>
+              <a:tblPr firstRow="1" bandRow="1">
+                <a:tableStyleId>{5C22544A-7EE6-4342-B048-85BDC9FD1C3A}</a:tableStyleId>
+              </a:tblPr>
+              <a:tblGrid>
+                <a:gridCol w="517640">
+                  <a:extLst>
+                    <a:ext uri="{9D8B030D-6E8A-4147-A177-3AD203B41FA5}">
+                      <a16:colId xmlns:a16="http://schemas.microsoft.com/office/drawing/2014/main" val="4268113694"/>
+                    </a:ext>
+                  </a:extLst>
+                </a:gridCol>
+              </a:tblGrid>
+              <a:tr h="522721">
+                <a:tc>
+                  <a:txBody>
+                    <a:bodyPr/>
+                    <a:lstStyle/>
+                    <a:p>
+                      <a:pPr algn="ctr"/>
+                      <a:r>
+                        <a:rPr lang="en-US" sz="1100" dirty="0"/>
+                        <a:t>1</a:t>
+                      </a:r>
+                      <a:endParaRPr lang="en-IN" sz="1100" dirty="0"/>
+                    </a:p>
+                  </a:txBody>
+                  <a:tcPr/>
+                </a:tc>
+                <a:extLst>
+                  <a:ext uri="{0D108BD9-81ED-4DB2-BD59-A6C34878D82A}">
+                    <a16:rowId xmlns:a16="http://schemas.microsoft.com/office/drawing/2014/main" val="1687262628"/>
+                  </a:ext>
+                </a:extLst>
+              </a:tr>
+              <a:tr h="522721">
+                <a:tc>
+                  <a:txBody>
+                    <a:bodyPr/>
+                    <a:lstStyle/>
+                    <a:p>
+                      <a:pPr algn="ctr"/>
+                      <a:r>
+                        <a:rPr lang="en-US" sz="1100" dirty="0"/>
+                        <a:t>2</a:t>
+                      </a:r>
+                      <a:endParaRPr lang="en-IN" sz="1100" dirty="0"/>
+                    </a:p>
+                  </a:txBody>
+                  <a:tcPr/>
+                </a:tc>
+                <a:extLst>
+                  <a:ext uri="{0D108BD9-81ED-4DB2-BD59-A6C34878D82A}">
+                    <a16:rowId xmlns:a16="http://schemas.microsoft.com/office/drawing/2014/main" val="3896025417"/>
+                  </a:ext>
+                </a:extLst>
+              </a:tr>
+              <a:tr h="522721">
+                <a:tc>
+                  <a:txBody>
+                    <a:bodyPr/>
+                    <a:lstStyle/>
+                    <a:p>
+                      <a:pPr algn="ctr"/>
+                      <a:r>
+                        <a:rPr lang="en-US" sz="1100" dirty="0"/>
+                        <a:t>-</a:t>
+                      </a:r>
+                      <a:endParaRPr lang="en-IN" sz="1100" dirty="0"/>
+                    </a:p>
+                  </a:txBody>
+                  <a:tcPr/>
+                </a:tc>
+                <a:extLst>
+                  <a:ext uri="{0D108BD9-81ED-4DB2-BD59-A6C34878D82A}">
+                    <a16:rowId xmlns:a16="http://schemas.microsoft.com/office/drawing/2014/main" val="62805346"/>
+                  </a:ext>
+                </a:extLst>
+              </a:tr>
+              <a:tr h="522721">
+                <a:tc>
+                  <a:txBody>
+                    <a:bodyPr/>
+                    <a:lstStyle/>
+                    <a:p>
+                      <a:pPr algn="ctr"/>
+                      <a:r>
+                        <a:rPr lang="en-US" sz="1100" dirty="0"/>
+                        <a:t>-</a:t>
+                      </a:r>
+                      <a:endParaRPr lang="en-IN" sz="1100" dirty="0"/>
+                    </a:p>
+                  </a:txBody>
+                  <a:tcPr/>
+                </a:tc>
+                <a:extLst>
+                  <a:ext uri="{0D108BD9-81ED-4DB2-BD59-A6C34878D82A}">
+                    <a16:rowId xmlns:a16="http://schemas.microsoft.com/office/drawing/2014/main" val="1074607903"/>
+                  </a:ext>
+                </a:extLst>
+              </a:tr>
+              <a:tr h="522721">
+                <a:tc>
+                  <a:txBody>
+                    <a:bodyPr/>
+                    <a:lstStyle/>
+                    <a:p>
+                      <a:pPr algn="ctr"/>
+                      <a:r>
+                        <a:rPr lang="en-US" sz="1100" dirty="0"/>
+                        <a:t>512</a:t>
+                      </a:r>
+                      <a:endParaRPr lang="en-IN" sz="1100" dirty="0"/>
+                    </a:p>
+                  </a:txBody>
+                  <a:tcPr/>
+                </a:tc>
+                <a:extLst>
+                  <a:ext uri="{0D108BD9-81ED-4DB2-BD59-A6C34878D82A}">
+                    <a16:rowId xmlns:a16="http://schemas.microsoft.com/office/drawing/2014/main" val="1657945302"/>
+                  </a:ext>
+                </a:extLst>
+              </a:tr>
+            </a:tbl>
+          </a:graphicData>
+        </a:graphic>
+      </p:graphicFrame>
+      <p:sp>
+        <p:nvSpPr>
+          <p:cNvPr id="161" name="TextBox 160">
+            <a:extLst>
+              <a:ext uri="{FF2B5EF4-FFF2-40B4-BE49-F238E27FC236}">
+                <a16:creationId xmlns:a16="http://schemas.microsoft.com/office/drawing/2014/main" id="{61337099-337F-9042-1FF5-23D50437B23C}"/>
+              </a:ext>
+            </a:extLst>
+          </p:cNvPr>
+          <p:cNvSpPr txBox="1"/>
+          <p:nvPr/>
+        </p:nvSpPr>
+        <p:spPr>
+          <a:xfrm>
+            <a:off x="947057" y="4881198"/>
+            <a:ext cx="1015940" cy="369332"/>
+          </a:xfrm>
+          <a:prstGeom prst="rect">
+            <a:avLst/>
+          </a:prstGeom>
+          <a:noFill/>
+        </p:spPr>
+        <p:txBody>
+          <a:bodyPr wrap="square" rtlCol="0">
+            <a:spAutoFit/>
+          </a:bodyPr>
+          <a:lstStyle/>
+          <a:p>
+            <a:r>
+              <a:rPr lang="en-US" dirty="0"/>
+              <a:t>N tokens</a:t>
+            </a:r>
+            <a:endParaRPr lang="en-IN" dirty="0"/>
+          </a:p>
+        </p:txBody>
+      </p:sp>
+      <p:graphicFrame>
+        <p:nvGraphicFramePr>
+          <p:cNvPr id="162" name="Table 5">
+            <a:extLst>
+              <a:ext uri="{FF2B5EF4-FFF2-40B4-BE49-F238E27FC236}">
+                <a16:creationId xmlns:a16="http://schemas.microsoft.com/office/drawing/2014/main" id="{0F18E4B7-CC92-5430-AA1F-D7B0649F613F}"/>
+              </a:ext>
+            </a:extLst>
+          </p:cNvPr>
+          <p:cNvGraphicFramePr>
+            <a:graphicFrameLocks noGrp="1"/>
+          </p:cNvGraphicFramePr>
+          <p:nvPr>
+            <p:extLst>
+              <p:ext uri="{D42A27DB-BD31-4B8C-83A1-F6EECF244321}">
+                <p14:modId xmlns:p14="http://schemas.microsoft.com/office/powerpoint/2010/main" val="2131046907"/>
+              </p:ext>
+            </p:extLst>
+          </p:nvPr>
+        </p:nvGraphicFramePr>
+        <p:xfrm>
+          <a:off x="7802048" y="1810393"/>
+          <a:ext cx="517640" cy="2613605"/>
+        </p:xfrm>
+        <a:graphic>
+          <a:graphicData uri="http://schemas.openxmlformats.org/drawingml/2006/table">
+            <a:tbl>
+              <a:tblPr firstRow="1" bandRow="1">
+                <a:tableStyleId>{5C22544A-7EE6-4342-B048-85BDC9FD1C3A}</a:tableStyleId>
+              </a:tblPr>
+              <a:tblGrid>
+                <a:gridCol w="517640">
+                  <a:extLst>
+                    <a:ext uri="{9D8B030D-6E8A-4147-A177-3AD203B41FA5}">
+                      <a16:colId xmlns:a16="http://schemas.microsoft.com/office/drawing/2014/main" val="4268113694"/>
+                    </a:ext>
+                  </a:extLst>
+                </a:gridCol>
+              </a:tblGrid>
+              <a:tr h="522721">
+                <a:tc>
+                  <a:txBody>
+                    <a:bodyPr/>
+                    <a:lstStyle/>
+                    <a:p>
+                      <a:pPr algn="ctr"/>
+                      <a:r>
+                        <a:rPr lang="en-US" sz="1100" dirty="0"/>
+                        <a:t>1</a:t>
+                      </a:r>
+                      <a:endParaRPr lang="en-IN" sz="1100" dirty="0"/>
+                    </a:p>
+                  </a:txBody>
+                  <a:tcPr/>
+                </a:tc>
+                <a:extLst>
+                  <a:ext uri="{0D108BD9-81ED-4DB2-BD59-A6C34878D82A}">
+                    <a16:rowId xmlns:a16="http://schemas.microsoft.com/office/drawing/2014/main" val="1687262628"/>
+                  </a:ext>
+                </a:extLst>
+              </a:tr>
+              <a:tr h="522721">
+                <a:tc>
+                  <a:txBody>
+                    <a:bodyPr/>
+                    <a:lstStyle/>
+                    <a:p>
+                      <a:pPr algn="ctr"/>
+                      <a:r>
+                        <a:rPr lang="en-US" sz="1100" dirty="0"/>
+                        <a:t>2</a:t>
+                      </a:r>
+                      <a:endParaRPr lang="en-IN" sz="1100" dirty="0"/>
+                    </a:p>
+                  </a:txBody>
+                  <a:tcPr/>
+                </a:tc>
+                <a:extLst>
+                  <a:ext uri="{0D108BD9-81ED-4DB2-BD59-A6C34878D82A}">
+                    <a16:rowId xmlns:a16="http://schemas.microsoft.com/office/drawing/2014/main" val="3896025417"/>
+                  </a:ext>
+                </a:extLst>
+              </a:tr>
+              <a:tr h="522721">
+                <a:tc>
+                  <a:txBody>
+                    <a:bodyPr/>
+                    <a:lstStyle/>
+                    <a:p>
+                      <a:pPr algn="ctr"/>
+                      <a:r>
+                        <a:rPr lang="en-US" sz="1100" dirty="0"/>
+                        <a:t>-</a:t>
+                      </a:r>
+                      <a:endParaRPr lang="en-IN" sz="1100" dirty="0"/>
+                    </a:p>
+                  </a:txBody>
+                  <a:tcPr/>
+                </a:tc>
+                <a:extLst>
+                  <a:ext uri="{0D108BD9-81ED-4DB2-BD59-A6C34878D82A}">
+                    <a16:rowId xmlns:a16="http://schemas.microsoft.com/office/drawing/2014/main" val="62805346"/>
+                  </a:ext>
+                </a:extLst>
+              </a:tr>
+              <a:tr h="522721">
+                <a:tc>
+                  <a:txBody>
+                    <a:bodyPr/>
+                    <a:lstStyle/>
+                    <a:p>
+                      <a:pPr algn="ctr"/>
+                      <a:r>
+                        <a:rPr lang="en-US" sz="1100" dirty="0"/>
+                        <a:t>-</a:t>
+                      </a:r>
+                      <a:endParaRPr lang="en-IN" sz="1100" dirty="0"/>
+                    </a:p>
+                  </a:txBody>
+                  <a:tcPr/>
+                </a:tc>
+                <a:extLst>
+                  <a:ext uri="{0D108BD9-81ED-4DB2-BD59-A6C34878D82A}">
+                    <a16:rowId xmlns:a16="http://schemas.microsoft.com/office/drawing/2014/main" val="1074607903"/>
+                  </a:ext>
+                </a:extLst>
+              </a:tr>
+              <a:tr h="522721">
+                <a:tc>
+                  <a:txBody>
+                    <a:bodyPr/>
+                    <a:lstStyle/>
+                    <a:p>
+                      <a:pPr algn="ctr"/>
+                      <a:r>
+                        <a:rPr lang="en-US" sz="1100" dirty="0"/>
+                        <a:t>512</a:t>
+                      </a:r>
+                      <a:endParaRPr lang="en-IN" sz="1100" dirty="0"/>
+                    </a:p>
+                  </a:txBody>
+                  <a:tcPr/>
+                </a:tc>
+                <a:extLst>
+                  <a:ext uri="{0D108BD9-81ED-4DB2-BD59-A6C34878D82A}">
+                    <a16:rowId xmlns:a16="http://schemas.microsoft.com/office/drawing/2014/main" val="1657945302"/>
+                  </a:ext>
+                </a:extLst>
+              </a:tr>
+            </a:tbl>
+          </a:graphicData>
+        </a:graphic>
+      </p:graphicFrame>
+      <p:graphicFrame>
+        <p:nvGraphicFramePr>
+          <p:cNvPr id="163" name="Table 5">
+            <a:extLst>
+              <a:ext uri="{FF2B5EF4-FFF2-40B4-BE49-F238E27FC236}">
+                <a16:creationId xmlns:a16="http://schemas.microsoft.com/office/drawing/2014/main" id="{488A5B23-8E01-618D-CF38-2976C298DE27}"/>
+              </a:ext>
+            </a:extLst>
+          </p:cNvPr>
+          <p:cNvGraphicFramePr>
+            <a:graphicFrameLocks noGrp="1"/>
+          </p:cNvGraphicFramePr>
+          <p:nvPr>
+            <p:extLst>
+              <p:ext uri="{D42A27DB-BD31-4B8C-83A1-F6EECF244321}">
+                <p14:modId xmlns:p14="http://schemas.microsoft.com/office/powerpoint/2010/main" val="295269685"/>
+              </p:ext>
+            </p:extLst>
+          </p:nvPr>
+        </p:nvGraphicFramePr>
+        <p:xfrm>
+          <a:off x="7954448" y="1962793"/>
+          <a:ext cx="517640" cy="2613605"/>
+        </p:xfrm>
+        <a:graphic>
+          <a:graphicData uri="http://schemas.openxmlformats.org/drawingml/2006/table">
+            <a:tbl>
+              <a:tblPr firstRow="1" bandRow="1">
+                <a:tableStyleId>{5C22544A-7EE6-4342-B048-85BDC9FD1C3A}</a:tableStyleId>
+              </a:tblPr>
+              <a:tblGrid>
+                <a:gridCol w="517640">
+                  <a:extLst>
+                    <a:ext uri="{9D8B030D-6E8A-4147-A177-3AD203B41FA5}">
+                      <a16:colId xmlns:a16="http://schemas.microsoft.com/office/drawing/2014/main" val="4268113694"/>
+                    </a:ext>
+                  </a:extLst>
+                </a:gridCol>
+              </a:tblGrid>
+              <a:tr h="522721">
+                <a:tc>
+                  <a:txBody>
+                    <a:bodyPr/>
+                    <a:lstStyle/>
+                    <a:p>
+                      <a:pPr algn="ctr"/>
+                      <a:r>
+                        <a:rPr lang="en-US" sz="1100" dirty="0"/>
+                        <a:t>1</a:t>
+                      </a:r>
+                      <a:endParaRPr lang="en-IN" sz="1100" dirty="0"/>
+                    </a:p>
+                  </a:txBody>
+                  <a:tcPr/>
+                </a:tc>
+                <a:extLst>
+                  <a:ext uri="{0D108BD9-81ED-4DB2-BD59-A6C34878D82A}">
+                    <a16:rowId xmlns:a16="http://schemas.microsoft.com/office/drawing/2014/main" val="1687262628"/>
+                  </a:ext>
+                </a:extLst>
+              </a:tr>
+              <a:tr h="522721">
+                <a:tc>
+                  <a:txBody>
+                    <a:bodyPr/>
+                    <a:lstStyle/>
+                    <a:p>
+                      <a:pPr algn="ctr"/>
+                      <a:r>
+                        <a:rPr lang="en-US" sz="1100" dirty="0"/>
+                        <a:t>2</a:t>
+                      </a:r>
+                      <a:endParaRPr lang="en-IN" sz="1100" dirty="0"/>
+                    </a:p>
+                  </a:txBody>
+                  <a:tcPr/>
+                </a:tc>
+                <a:extLst>
+                  <a:ext uri="{0D108BD9-81ED-4DB2-BD59-A6C34878D82A}">
+                    <a16:rowId xmlns:a16="http://schemas.microsoft.com/office/drawing/2014/main" val="3896025417"/>
+                  </a:ext>
+                </a:extLst>
+              </a:tr>
+              <a:tr h="522721">
+                <a:tc>
+                  <a:txBody>
+                    <a:bodyPr/>
+                    <a:lstStyle/>
+                    <a:p>
+                      <a:pPr algn="ctr"/>
+                      <a:r>
+                        <a:rPr lang="en-US" sz="1100" dirty="0"/>
+                        <a:t>-</a:t>
+                      </a:r>
+                      <a:endParaRPr lang="en-IN" sz="1100" dirty="0"/>
+                    </a:p>
+                  </a:txBody>
+                  <a:tcPr/>
+                </a:tc>
+                <a:extLst>
+                  <a:ext uri="{0D108BD9-81ED-4DB2-BD59-A6C34878D82A}">
+                    <a16:rowId xmlns:a16="http://schemas.microsoft.com/office/drawing/2014/main" val="62805346"/>
+                  </a:ext>
+                </a:extLst>
+              </a:tr>
+              <a:tr h="522721">
+                <a:tc>
+                  <a:txBody>
+                    <a:bodyPr/>
+                    <a:lstStyle/>
+                    <a:p>
+                      <a:pPr algn="ctr"/>
+                      <a:r>
+                        <a:rPr lang="en-US" sz="1100" dirty="0"/>
+                        <a:t>-</a:t>
+                      </a:r>
+                      <a:endParaRPr lang="en-IN" sz="1100" dirty="0"/>
+                    </a:p>
+                  </a:txBody>
+                  <a:tcPr/>
+                </a:tc>
+                <a:extLst>
+                  <a:ext uri="{0D108BD9-81ED-4DB2-BD59-A6C34878D82A}">
+                    <a16:rowId xmlns:a16="http://schemas.microsoft.com/office/drawing/2014/main" val="1074607903"/>
+                  </a:ext>
+                </a:extLst>
+              </a:tr>
+              <a:tr h="522721">
+                <a:tc>
+                  <a:txBody>
+                    <a:bodyPr/>
+                    <a:lstStyle/>
+                    <a:p>
+                      <a:pPr algn="ctr"/>
+                      <a:r>
+                        <a:rPr lang="en-US" sz="1100" dirty="0"/>
+                        <a:t>512</a:t>
+                      </a:r>
+                      <a:endParaRPr lang="en-IN" sz="1100" dirty="0"/>
+                    </a:p>
+                  </a:txBody>
+                  <a:tcPr/>
+                </a:tc>
+                <a:extLst>
+                  <a:ext uri="{0D108BD9-81ED-4DB2-BD59-A6C34878D82A}">
+                    <a16:rowId xmlns:a16="http://schemas.microsoft.com/office/drawing/2014/main" val="1657945302"/>
+                  </a:ext>
+                </a:extLst>
+              </a:tr>
+            </a:tbl>
+          </a:graphicData>
+        </a:graphic>
+      </p:graphicFrame>
+      <p:graphicFrame>
+        <p:nvGraphicFramePr>
+          <p:cNvPr id="164" name="Table 5">
+            <a:extLst>
+              <a:ext uri="{FF2B5EF4-FFF2-40B4-BE49-F238E27FC236}">
+                <a16:creationId xmlns:a16="http://schemas.microsoft.com/office/drawing/2014/main" id="{7B9C420D-52AA-0483-7CE5-40C9B90470AC}"/>
+              </a:ext>
+            </a:extLst>
+          </p:cNvPr>
+          <p:cNvGraphicFramePr>
+            <a:graphicFrameLocks noGrp="1"/>
+          </p:cNvGraphicFramePr>
+          <p:nvPr>
+            <p:extLst>
+              <p:ext uri="{D42A27DB-BD31-4B8C-83A1-F6EECF244321}">
+                <p14:modId xmlns:p14="http://schemas.microsoft.com/office/powerpoint/2010/main" val="1848066184"/>
+              </p:ext>
+            </p:extLst>
+          </p:nvPr>
+        </p:nvGraphicFramePr>
+        <p:xfrm>
+          <a:off x="8106848" y="2115193"/>
+          <a:ext cx="517640" cy="2613605"/>
+        </p:xfrm>
+        <a:graphic>
+          <a:graphicData uri="http://schemas.openxmlformats.org/drawingml/2006/table">
+            <a:tbl>
+              <a:tblPr firstRow="1" bandRow="1">
+                <a:tableStyleId>{5C22544A-7EE6-4342-B048-85BDC9FD1C3A}</a:tableStyleId>
+              </a:tblPr>
+              <a:tblGrid>
+                <a:gridCol w="517640">
+                  <a:extLst>
+                    <a:ext uri="{9D8B030D-6E8A-4147-A177-3AD203B41FA5}">
+                      <a16:colId xmlns:a16="http://schemas.microsoft.com/office/drawing/2014/main" val="4268113694"/>
+                    </a:ext>
+                  </a:extLst>
+                </a:gridCol>
+              </a:tblGrid>
+              <a:tr h="522721">
+                <a:tc>
+                  <a:txBody>
+                    <a:bodyPr/>
+                    <a:lstStyle/>
+                    <a:p>
+                      <a:pPr algn="ctr"/>
+                      <a:r>
+                        <a:rPr lang="en-US" sz="1100" dirty="0"/>
+                        <a:t>1</a:t>
+                      </a:r>
+                      <a:endParaRPr lang="en-IN" sz="1100" dirty="0"/>
+                    </a:p>
+                  </a:txBody>
+                  <a:tcPr/>
+                </a:tc>
+                <a:extLst>
+                  <a:ext uri="{0D108BD9-81ED-4DB2-BD59-A6C34878D82A}">
+                    <a16:rowId xmlns:a16="http://schemas.microsoft.com/office/drawing/2014/main" val="1687262628"/>
+                  </a:ext>
+                </a:extLst>
+              </a:tr>
+              <a:tr h="522721">
+                <a:tc>
+                  <a:txBody>
+                    <a:bodyPr/>
+                    <a:lstStyle/>
+                    <a:p>
+                      <a:pPr algn="ctr"/>
+                      <a:r>
+                        <a:rPr lang="en-US" sz="1100" dirty="0"/>
+                        <a:t>2</a:t>
+                      </a:r>
+                      <a:endParaRPr lang="en-IN" sz="1100" dirty="0"/>
+                    </a:p>
+                  </a:txBody>
+                  <a:tcPr/>
+                </a:tc>
+                <a:extLst>
+                  <a:ext uri="{0D108BD9-81ED-4DB2-BD59-A6C34878D82A}">
+                    <a16:rowId xmlns:a16="http://schemas.microsoft.com/office/drawing/2014/main" val="3896025417"/>
+                  </a:ext>
+                </a:extLst>
+              </a:tr>
+              <a:tr h="522721">
+                <a:tc>
+                  <a:txBody>
+                    <a:bodyPr/>
+                    <a:lstStyle/>
+                    <a:p>
+                      <a:pPr algn="ctr"/>
+                      <a:r>
+                        <a:rPr lang="en-US" sz="1100" dirty="0"/>
+                        <a:t>-</a:t>
+                      </a:r>
+                      <a:endParaRPr lang="en-IN" sz="1100" dirty="0"/>
+                    </a:p>
+                  </a:txBody>
+                  <a:tcPr/>
+                </a:tc>
+                <a:extLst>
+                  <a:ext uri="{0D108BD9-81ED-4DB2-BD59-A6C34878D82A}">
+                    <a16:rowId xmlns:a16="http://schemas.microsoft.com/office/drawing/2014/main" val="62805346"/>
+                  </a:ext>
+                </a:extLst>
+              </a:tr>
+              <a:tr h="522721">
+                <a:tc>
+                  <a:txBody>
+                    <a:bodyPr/>
+                    <a:lstStyle/>
+                    <a:p>
+                      <a:pPr algn="ctr"/>
+                      <a:r>
+                        <a:rPr lang="en-US" sz="1100" dirty="0"/>
+                        <a:t>-</a:t>
+                      </a:r>
+                      <a:endParaRPr lang="en-IN" sz="1100" dirty="0"/>
+                    </a:p>
+                  </a:txBody>
+                  <a:tcPr/>
+                </a:tc>
+                <a:extLst>
+                  <a:ext uri="{0D108BD9-81ED-4DB2-BD59-A6C34878D82A}">
+                    <a16:rowId xmlns:a16="http://schemas.microsoft.com/office/drawing/2014/main" val="1074607903"/>
+                  </a:ext>
+                </a:extLst>
+              </a:tr>
+              <a:tr h="522721">
+                <a:tc>
+                  <a:txBody>
+                    <a:bodyPr/>
+                    <a:lstStyle/>
+                    <a:p>
+                      <a:pPr algn="ctr"/>
+                      <a:r>
+                        <a:rPr lang="en-US" sz="1100" dirty="0"/>
+                        <a:t>512</a:t>
+                      </a:r>
+                      <a:endParaRPr lang="en-IN" sz="1100" dirty="0"/>
+                    </a:p>
+                  </a:txBody>
+                  <a:tcPr/>
+                </a:tc>
+                <a:extLst>
+                  <a:ext uri="{0D108BD9-81ED-4DB2-BD59-A6C34878D82A}">
+                    <a16:rowId xmlns:a16="http://schemas.microsoft.com/office/drawing/2014/main" val="1657945302"/>
+                  </a:ext>
+                </a:extLst>
+              </a:tr>
+            </a:tbl>
+          </a:graphicData>
+        </a:graphic>
+      </p:graphicFrame>
+      <p:graphicFrame>
+        <p:nvGraphicFramePr>
+          <p:cNvPr id="165" name="Table 5">
+            <a:extLst>
+              <a:ext uri="{FF2B5EF4-FFF2-40B4-BE49-F238E27FC236}">
+                <a16:creationId xmlns:a16="http://schemas.microsoft.com/office/drawing/2014/main" id="{1DDAC404-BA65-A31B-328B-1291D72FA3BB}"/>
+              </a:ext>
+            </a:extLst>
+          </p:cNvPr>
+          <p:cNvGraphicFramePr>
+            <a:graphicFrameLocks noGrp="1"/>
+          </p:cNvGraphicFramePr>
+          <p:nvPr>
+            <p:extLst>
+              <p:ext uri="{D42A27DB-BD31-4B8C-83A1-F6EECF244321}">
+                <p14:modId xmlns:p14="http://schemas.microsoft.com/office/powerpoint/2010/main" val="3265418673"/>
+              </p:ext>
+            </p:extLst>
+          </p:nvPr>
+        </p:nvGraphicFramePr>
+        <p:xfrm>
+          <a:off x="8259248" y="2267593"/>
+          <a:ext cx="517640" cy="2613605"/>
+        </p:xfrm>
+        <a:graphic>
+          <a:graphicData uri="http://schemas.openxmlformats.org/drawingml/2006/table">
+            <a:tbl>
+              <a:tblPr firstRow="1" bandRow="1">
+                <a:tableStyleId>{5C22544A-7EE6-4342-B048-85BDC9FD1C3A}</a:tableStyleId>
+              </a:tblPr>
+              <a:tblGrid>
+                <a:gridCol w="517640">
+                  <a:extLst>
+                    <a:ext uri="{9D8B030D-6E8A-4147-A177-3AD203B41FA5}">
+                      <a16:colId xmlns:a16="http://schemas.microsoft.com/office/drawing/2014/main" val="4268113694"/>
+                    </a:ext>
+                  </a:extLst>
+                </a:gridCol>
+              </a:tblGrid>
+              <a:tr h="522721">
+                <a:tc>
+                  <a:txBody>
+                    <a:bodyPr/>
+                    <a:lstStyle/>
+                    <a:p>
+                      <a:pPr algn="ctr"/>
+                      <a:r>
+                        <a:rPr lang="en-US" sz="1100" dirty="0"/>
+                        <a:t>1</a:t>
+                      </a:r>
+                      <a:endParaRPr lang="en-IN" sz="1100" dirty="0"/>
+                    </a:p>
+                  </a:txBody>
+                  <a:tcPr/>
+                </a:tc>
+                <a:extLst>
+                  <a:ext uri="{0D108BD9-81ED-4DB2-BD59-A6C34878D82A}">
+                    <a16:rowId xmlns:a16="http://schemas.microsoft.com/office/drawing/2014/main" val="1687262628"/>
+                  </a:ext>
+                </a:extLst>
+              </a:tr>
+              <a:tr h="522721">
+                <a:tc>
+                  <a:txBody>
+                    <a:bodyPr/>
+                    <a:lstStyle/>
+                    <a:p>
+                      <a:pPr algn="ctr"/>
+                      <a:r>
+                        <a:rPr lang="en-US" sz="1100" dirty="0"/>
+                        <a:t>2</a:t>
+                      </a:r>
+                      <a:endParaRPr lang="en-IN" sz="1100" dirty="0"/>
+                    </a:p>
+                  </a:txBody>
+                  <a:tcPr/>
+                </a:tc>
+                <a:extLst>
+                  <a:ext uri="{0D108BD9-81ED-4DB2-BD59-A6C34878D82A}">
+                    <a16:rowId xmlns:a16="http://schemas.microsoft.com/office/drawing/2014/main" val="3896025417"/>
+                  </a:ext>
+                </a:extLst>
+              </a:tr>
+              <a:tr h="522721">
+                <a:tc>
+                  <a:txBody>
+                    <a:bodyPr/>
+                    <a:lstStyle/>
+                    <a:p>
+                      <a:pPr algn="ctr"/>
+                      <a:r>
+                        <a:rPr lang="en-US" sz="1100" dirty="0"/>
+                        <a:t>-</a:t>
+                      </a:r>
+                      <a:endParaRPr lang="en-IN" sz="1100" dirty="0"/>
+                    </a:p>
+                  </a:txBody>
+                  <a:tcPr/>
+                </a:tc>
+                <a:extLst>
+                  <a:ext uri="{0D108BD9-81ED-4DB2-BD59-A6C34878D82A}">
+                    <a16:rowId xmlns:a16="http://schemas.microsoft.com/office/drawing/2014/main" val="62805346"/>
+                  </a:ext>
+                </a:extLst>
+              </a:tr>
+              <a:tr h="522721">
+                <a:tc>
+                  <a:txBody>
+                    <a:bodyPr/>
+                    <a:lstStyle/>
+                    <a:p>
+                      <a:pPr algn="ctr"/>
+                      <a:r>
+                        <a:rPr lang="en-US" sz="1100" dirty="0"/>
+                        <a:t>-</a:t>
+                      </a:r>
+                      <a:endParaRPr lang="en-IN" sz="1100" dirty="0"/>
+                    </a:p>
+                  </a:txBody>
+                  <a:tcPr/>
+                </a:tc>
+                <a:extLst>
+                  <a:ext uri="{0D108BD9-81ED-4DB2-BD59-A6C34878D82A}">
+                    <a16:rowId xmlns:a16="http://schemas.microsoft.com/office/drawing/2014/main" val="1074607903"/>
+                  </a:ext>
+                </a:extLst>
+              </a:tr>
+              <a:tr h="522721">
+                <a:tc>
+                  <a:txBody>
+                    <a:bodyPr/>
+                    <a:lstStyle/>
+                    <a:p>
+                      <a:pPr algn="ctr"/>
+                      <a:r>
+                        <a:rPr lang="en-US" sz="1100" dirty="0"/>
+                        <a:t>512</a:t>
+                      </a:r>
+                      <a:endParaRPr lang="en-IN" sz="1100" dirty="0"/>
+                    </a:p>
+                  </a:txBody>
+                  <a:tcPr/>
+                </a:tc>
+                <a:extLst>
+                  <a:ext uri="{0D108BD9-81ED-4DB2-BD59-A6C34878D82A}">
+                    <a16:rowId xmlns:a16="http://schemas.microsoft.com/office/drawing/2014/main" val="1657945302"/>
+                  </a:ext>
+                </a:extLst>
+              </a:tr>
+            </a:tbl>
+          </a:graphicData>
+        </a:graphic>
+      </p:graphicFrame>
+    </p:spTree>
+    <p:extLst>
+      <p:ext uri="{BB962C8B-B14F-4D97-AF65-F5344CB8AC3E}">
+        <p14:creationId xmlns:p14="http://schemas.microsoft.com/office/powerpoint/2010/main" val="2651870082"/>
+      </p:ext>
+    </p:extLst>
+  </p:cSld>
+  <p:clrMapOvr>
+    <a:masterClrMapping/>
+  </p:clrMapOvr>
+</p:sld>
+</file>
+
+<file path=ppt/slides/slide5.xml><?xml version="1.0" encoding="utf-8"?>
+<p:sld xmlns:a="http://schemas.openxmlformats.org/drawingml/2006/main" xmlns:r="http://schemas.openxmlformats.org/officeDocument/2006/relationships" xmlns:p="http://schemas.openxmlformats.org/presentationml/2006/main">
+  <p:cSld>
+    <p:spTree>
+      <p:nvGrpSpPr>
+        <p:cNvPr id="1" name=""/>
+        <p:cNvGrpSpPr/>
+        <p:nvPr/>
+      </p:nvGrpSpPr>
+      <p:grpSpPr>
+        <a:xfrm>
+          <a:off x="0" y="0"/>
+          <a:ext cx="0" cy="0"/>
+          <a:chOff x="0" y="0"/>
+          <a:chExt cx="0" cy="0"/>
+        </a:xfrm>
+      </p:grpSpPr>
       <p:sp>
         <p:nvSpPr>
           <p:cNvPr id="2" name="Title 1">
@@ -8178,7 +11479,7 @@
     </p:spTree>
     <p:extLst>
       <p:ext uri="{BB962C8B-B14F-4D97-AF65-F5344CB8AC3E}">
-        <p14:creationId xmlns:p14="http://schemas.microsoft.com/office/powerpoint/2010/main" val="2651870082"/>
+        <p14:creationId xmlns:p14="http://schemas.microsoft.com/office/powerpoint/2010/main" val="3184145584"/>
       </p:ext>
     </p:extLst>
   </p:cSld>
@@ -8188,7 +11489,7 @@
 </p:sld>
 </file>
 
-<file path=ppt/slides/slide5.xml><?xml version="1.0" encoding="utf-8"?>
+<file path=ppt/slides/slide6.xml><?xml version="1.0" encoding="utf-8"?>
 <p:sld xmlns:a="http://schemas.openxmlformats.org/drawingml/2006/main" xmlns:r="http://schemas.openxmlformats.org/officeDocument/2006/relationships" xmlns:p="http://schemas.openxmlformats.org/presentationml/2006/main">
   <p:cSld>
     <p:spTree>
